--- a/ED-Tema-5/5.3 EJERCICIOS_CYNTHIA JASMINE MORALES TORRES.pptx
+++ b/ED-Tema-5/5.3 EJERCICIOS_CYNTHIA JASMINE MORALES TORRES.pptx
@@ -8,16 +8,10 @@
     <p:sldId id="256" r:id="rId2"/>
     <p:sldId id="266" r:id="rId3"/>
     <p:sldId id="267" r:id="rId4"/>
-    <p:sldId id="258" r:id="rId5"/>
-    <p:sldId id="257" r:id="rId6"/>
-    <p:sldId id="260" r:id="rId7"/>
-    <p:sldId id="259" r:id="rId8"/>
-    <p:sldId id="261" r:id="rId9"/>
-    <p:sldId id="262" r:id="rId10"/>
-    <p:sldId id="263" r:id="rId11"/>
-    <p:sldId id="264" r:id="rId12"/>
-    <p:sldId id="268" r:id="rId13"/>
-    <p:sldId id="265" r:id="rId14"/>
+    <p:sldId id="269" r:id="rId5"/>
+    <p:sldId id="270" r:id="rId6"/>
+    <p:sldId id="268" r:id="rId7"/>
+    <p:sldId id="265" r:id="rId8"/>
   </p:sldIdLst>
   <p:sldSz cx="12192000" cy="6858000"/>
   <p:notesSz cx="6858000" cy="9144000"/>
@@ -116,6 +110,11 @@
       </a:defRPr>
     </a:lvl9pPr>
   </p:defaultTextStyle>
+  <p:extLst>
+    <p:ext uri="{EFAFB233-063F-42B5-8137-9DF3F51BA10A}">
+      <p15:sldGuideLst xmlns:p15="http://schemas.microsoft.com/office/powerpoint/2012/main"/>
+    </p:ext>
+  </p:extLst>
 </p:presentation>
 </file>
 
@@ -290,7 +289,7 @@
           <a:p>
             <a:fld id="{2B08D493-0876-49E4-8F8E-E497F96ECC77}" type="datetimeFigureOut">
               <a:rPr lang="es-MX" smtClean="0"/>
-              <a:t>13/12/2025</a:t>
+              <a:t>14/12/2025</a:t>
             </a:fld>
             <a:endParaRPr lang="es-MX"/>
           </a:p>
@@ -605,7 +604,7 @@
           <a:p>
             <a:fld id="{2B08D493-0876-49E4-8F8E-E497F96ECC77}" type="datetimeFigureOut">
               <a:rPr lang="es-MX" smtClean="0"/>
-              <a:t>13/12/2025</a:t>
+              <a:t>14/12/2025</a:t>
             </a:fld>
             <a:endParaRPr lang="es-MX"/>
           </a:p>
@@ -827,7 +826,7 @@
           <a:p>
             <a:fld id="{2B08D493-0876-49E4-8F8E-E497F96ECC77}" type="datetimeFigureOut">
               <a:rPr lang="es-MX" smtClean="0"/>
-              <a:t>13/12/2025</a:t>
+              <a:t>14/12/2025</a:t>
             </a:fld>
             <a:endParaRPr lang="es-MX"/>
           </a:p>
@@ -1118,7 +1117,7 @@
           <a:p>
             <a:fld id="{2B08D493-0876-49E4-8F8E-E497F96ECC77}" type="datetimeFigureOut">
               <a:rPr lang="es-MX" smtClean="0"/>
-              <a:t>13/12/2025</a:t>
+              <a:t>14/12/2025</a:t>
             </a:fld>
             <a:endParaRPr lang="es-MX"/>
           </a:p>
@@ -1572,7 +1571,7 @@
           <a:p>
             <a:fld id="{2B08D493-0876-49E4-8F8E-E497F96ECC77}" type="datetimeFigureOut">
               <a:rPr lang="es-MX" smtClean="0"/>
-              <a:t>13/12/2025</a:t>
+              <a:t>14/12/2025</a:t>
             </a:fld>
             <a:endParaRPr lang="es-MX"/>
           </a:p>
@@ -2148,7 +2147,7 @@
           <a:p>
             <a:fld id="{2B08D493-0876-49E4-8F8E-E497F96ECC77}" type="datetimeFigureOut">
               <a:rPr lang="es-MX" smtClean="0"/>
-              <a:t>13/12/2025</a:t>
+              <a:t>14/12/2025</a:t>
             </a:fld>
             <a:endParaRPr lang="es-MX"/>
           </a:p>
@@ -3009,7 +3008,7 @@
           <a:p>
             <a:fld id="{2B08D493-0876-49E4-8F8E-E497F96ECC77}" type="datetimeFigureOut">
               <a:rPr lang="es-MX" smtClean="0"/>
-              <a:t>13/12/2025</a:t>
+              <a:t>14/12/2025</a:t>
             </a:fld>
             <a:endParaRPr lang="es-MX"/>
           </a:p>
@@ -3214,7 +3213,7 @@
           <a:p>
             <a:fld id="{2B08D493-0876-49E4-8F8E-E497F96ECC77}" type="datetimeFigureOut">
               <a:rPr lang="es-MX" smtClean="0"/>
-              <a:t>13/12/2025</a:t>
+              <a:t>14/12/2025</a:t>
             </a:fld>
             <a:endParaRPr lang="es-MX"/>
           </a:p>
@@ -3428,7 +3427,7 @@
           <a:p>
             <a:fld id="{2B08D493-0876-49E4-8F8E-E497F96ECC77}" type="datetimeFigureOut">
               <a:rPr lang="es-MX" smtClean="0"/>
-              <a:t>13/12/2025</a:t>
+              <a:t>14/12/2025</a:t>
             </a:fld>
             <a:endParaRPr lang="es-MX"/>
           </a:p>
@@ -3616,7 +3615,7 @@
           <a:p>
             <a:fld id="{2B08D493-0876-49E4-8F8E-E497F96ECC77}" type="datetimeFigureOut">
               <a:rPr lang="es-MX" smtClean="0"/>
-              <a:t>13/12/2025</a:t>
+              <a:t>14/12/2025</a:t>
             </a:fld>
             <a:endParaRPr lang="es-MX"/>
           </a:p>
@@ -3833,7 +3832,7 @@
           <a:p>
             <a:fld id="{2B08D493-0876-49E4-8F8E-E497F96ECC77}" type="datetimeFigureOut">
               <a:rPr lang="es-MX" smtClean="0"/>
-              <a:t>13/12/2025</a:t>
+              <a:t>14/12/2025</a:t>
             </a:fld>
             <a:endParaRPr lang="es-MX"/>
           </a:p>
@@ -4113,7 +4112,7 @@
           <a:p>
             <a:fld id="{2B08D493-0876-49E4-8F8E-E497F96ECC77}" type="datetimeFigureOut">
               <a:rPr lang="es-MX" smtClean="0"/>
-              <a:t>13/12/2025</a:t>
+              <a:t>14/12/2025</a:t>
             </a:fld>
             <a:endParaRPr lang="es-MX"/>
           </a:p>
@@ -4380,7 +4379,7 @@
           <a:p>
             <a:fld id="{2B08D493-0876-49E4-8F8E-E497F96ECC77}" type="datetimeFigureOut">
               <a:rPr lang="es-MX" smtClean="0"/>
-              <a:t>13/12/2025</a:t>
+              <a:t>14/12/2025</a:t>
             </a:fld>
             <a:endParaRPr lang="es-MX"/>
           </a:p>
@@ -4795,7 +4794,7 @@
           <a:p>
             <a:fld id="{2B08D493-0876-49E4-8F8E-E497F96ECC77}" type="datetimeFigureOut">
               <a:rPr lang="es-MX" smtClean="0"/>
-              <a:t>13/12/2025</a:t>
+              <a:t>14/12/2025</a:t>
             </a:fld>
             <a:endParaRPr lang="es-MX"/>
           </a:p>
@@ -4943,7 +4942,7 @@
           <a:p>
             <a:fld id="{2B08D493-0876-49E4-8F8E-E497F96ECC77}" type="datetimeFigureOut">
               <a:rPr lang="es-MX" smtClean="0"/>
-              <a:t>13/12/2025</a:t>
+              <a:t>14/12/2025</a:t>
             </a:fld>
             <a:endParaRPr lang="es-MX"/>
           </a:p>
@@ -5068,7 +5067,7 @@
           <a:p>
             <a:fld id="{2B08D493-0876-49E4-8F8E-E497F96ECC77}" type="datetimeFigureOut">
               <a:rPr lang="es-MX" smtClean="0"/>
-              <a:t>13/12/2025</a:t>
+              <a:t>14/12/2025</a:t>
             </a:fld>
             <a:endParaRPr lang="es-MX"/>
           </a:p>
@@ -5347,7 +5346,7 @@
           <a:p>
             <a:fld id="{2B08D493-0876-49E4-8F8E-E497F96ECC77}" type="datetimeFigureOut">
               <a:rPr lang="es-MX" smtClean="0"/>
-              <a:t>13/12/2025</a:t>
+              <a:t>14/12/2025</a:t>
             </a:fld>
             <a:endParaRPr lang="es-MX"/>
           </a:p>
@@ -5662,7 +5661,7 @@
           <a:p>
             <a:fld id="{2B08D493-0876-49E4-8F8E-E497F96ECC77}" type="datetimeFigureOut">
               <a:rPr lang="es-MX" smtClean="0"/>
-              <a:t>13/12/2025</a:t>
+              <a:t>14/12/2025</a:t>
             </a:fld>
             <a:endParaRPr lang="es-MX"/>
           </a:p>
@@ -5915,7 +5914,7 @@
           <a:p>
             <a:fld id="{2B08D493-0876-49E4-8F8E-E497F96ECC77}" type="datetimeFigureOut">
               <a:rPr lang="es-MX" smtClean="0"/>
-              <a:t>13/12/2025</a:t>
+              <a:t>14/12/2025</a:t>
             </a:fld>
             <a:endParaRPr lang="es-MX"/>
           </a:p>
@@ -7396,611 +7395,6 @@
 </p:sld>
 </file>
 
-<file path=ppt/slides/slide10.xml><?xml version="1.0" encoding="utf-8"?>
-<p:sld xmlns:a="http://schemas.openxmlformats.org/drawingml/2006/main" xmlns:r="http://schemas.openxmlformats.org/officeDocument/2006/relationships" xmlns:p="http://schemas.openxmlformats.org/presentationml/2006/main">
-  <p:cSld>
-    <p:spTree>
-      <p:nvGrpSpPr>
-        <p:cNvPr id="1" name=""/>
-        <p:cNvGrpSpPr/>
-        <p:nvPr/>
-      </p:nvGrpSpPr>
-      <p:grpSpPr>
-        <a:xfrm>
-          <a:off x="0" y="0"/>
-          <a:ext cx="0" cy="0"/>
-          <a:chOff x="0" y="0"/>
-          <a:chExt cx="0" cy="0"/>
-        </a:xfrm>
-      </p:grpSpPr>
-      <p:sp>
-        <p:nvSpPr>
-          <p:cNvPr id="2" name="Título 1">
-            <a:extLst>
-              <a:ext uri="{FF2B5EF4-FFF2-40B4-BE49-F238E27FC236}">
-                <a16:creationId xmlns:a16="http://schemas.microsoft.com/office/drawing/2014/main" id="{1435417B-FEA0-A371-2AD7-66ACCD0B9700}"/>
-              </a:ext>
-            </a:extLst>
-          </p:cNvPr>
-          <p:cNvSpPr>
-            <a:spLocks noGrp="1"/>
-          </p:cNvSpPr>
-          <p:nvPr>
-            <p:ph type="title"/>
-          </p:nvPr>
-        </p:nvSpPr>
-        <p:spPr>
-          <a:xfrm>
-            <a:off x="5034337" y="91033"/>
-            <a:ext cx="6377453" cy="724941"/>
-          </a:xfrm>
-        </p:spPr>
-        <p:txBody>
-          <a:bodyPr/>
-          <a:lstStyle/>
-          <a:p>
-            <a:r>
-              <a:rPr lang="es-MX" dirty="0"/>
-              <a:t>METODO DE RESULTADO: RADIX</a:t>
-            </a:r>
-          </a:p>
-        </p:txBody>
-      </p:sp>
-      <p:pic>
-        <p:nvPicPr>
-          <p:cNvPr id="5" name="Marcador de contenido 4">
-            <a:extLst>
-              <a:ext uri="{FF2B5EF4-FFF2-40B4-BE49-F238E27FC236}">
-                <a16:creationId xmlns:a16="http://schemas.microsoft.com/office/drawing/2014/main" id="{14A9FFB5-EC92-F6B0-95A3-66FD8C18E2A4}"/>
-              </a:ext>
-            </a:extLst>
-          </p:cNvPr>
-          <p:cNvPicPr>
-            <a:picLocks noGrp="1" noChangeAspect="1"/>
-          </p:cNvPicPr>
-          <p:nvPr>
-            <p:ph idx="1"/>
-          </p:nvPr>
-        </p:nvPicPr>
-        <p:blipFill>
-          <a:blip r:embed="rId2"/>
-          <a:stretch>
-            <a:fillRect/>
-          </a:stretch>
-        </p:blipFill>
-        <p:spPr>
-          <a:xfrm>
-            <a:off x="343038" y="453503"/>
-            <a:ext cx="4691298" cy="5353836"/>
-          </a:xfrm>
-        </p:spPr>
-      </p:pic>
-      <p:pic>
-        <p:nvPicPr>
-          <p:cNvPr id="7" name="Imagen 6">
-            <a:extLst>
-              <a:ext uri="{FF2B5EF4-FFF2-40B4-BE49-F238E27FC236}">
-                <a16:creationId xmlns:a16="http://schemas.microsoft.com/office/drawing/2014/main" id="{D0361991-1ECA-183A-6E5F-9111FA1DB2A8}"/>
-              </a:ext>
-            </a:extLst>
-          </p:cNvPr>
-          <p:cNvPicPr>
-            <a:picLocks noChangeAspect="1"/>
-          </p:cNvPicPr>
-          <p:nvPr/>
-        </p:nvPicPr>
-        <p:blipFill>
-          <a:blip r:embed="rId3"/>
-          <a:stretch>
-            <a:fillRect/>
-          </a:stretch>
-        </p:blipFill>
-        <p:spPr>
-          <a:xfrm>
-            <a:off x="5746971" y="3594595"/>
-            <a:ext cx="4218962" cy="3167703"/>
-          </a:xfrm>
-          <a:prstGeom prst="rect">
-            <a:avLst/>
-          </a:prstGeom>
-        </p:spPr>
-      </p:pic>
-      <p:sp>
-        <p:nvSpPr>
-          <p:cNvPr id="9" name="CuadroTexto 8">
-            <a:extLst>
-              <a:ext uri="{FF2B5EF4-FFF2-40B4-BE49-F238E27FC236}">
-                <a16:creationId xmlns:a16="http://schemas.microsoft.com/office/drawing/2014/main" id="{A52CA951-5A13-D926-90E6-99C82E316BBC}"/>
-              </a:ext>
-            </a:extLst>
-          </p:cNvPr>
-          <p:cNvSpPr txBox="1"/>
-          <p:nvPr/>
-        </p:nvSpPr>
-        <p:spPr>
-          <a:xfrm>
-            <a:off x="5174207" y="815974"/>
-            <a:ext cx="6097712" cy="2585323"/>
-          </a:xfrm>
-          <a:prstGeom prst="rect">
-            <a:avLst/>
-          </a:prstGeom>
-          <a:noFill/>
-        </p:spPr>
-        <p:txBody>
-          <a:bodyPr wrap="square">
-            <a:spAutoFit/>
-          </a:bodyPr>
-          <a:lstStyle/>
-          <a:p>
-            <a:r>
-              <a:rPr lang="es-MX" b="1" dirty="0"/>
-              <a:t>Qué hace </a:t>
-            </a:r>
-            <a:r>
-              <a:rPr lang="es-MX" b="1" dirty="0" err="1"/>
-              <a:t>Radix</a:t>
-            </a:r>
-            <a:r>
-              <a:rPr lang="es-MX" b="1" dirty="0"/>
-              <a:t> </a:t>
-            </a:r>
-            <a:r>
-              <a:rPr lang="es-MX" b="1" dirty="0" err="1"/>
-              <a:t>Sort</a:t>
-            </a:r>
-            <a:r>
-              <a:rPr lang="es-MX" b="1" dirty="0"/>
-              <a:t>:</a:t>
-            </a:r>
-          </a:p>
-          <a:p>
-            <a:pPr>
-              <a:buFont typeface="+mj-lt"/>
-              <a:buAutoNum type="arabicPeriod"/>
-            </a:pPr>
-            <a:r>
-              <a:rPr lang="es-MX" b="1" dirty="0"/>
-              <a:t>Identifica el número con más dígitos</a:t>
-            </a:r>
-            <a:r>
-              <a:rPr lang="es-MX" dirty="0"/>
-              <a:t> del arreglo.</a:t>
-            </a:r>
-          </a:p>
-          <a:p>
-            <a:pPr>
-              <a:buFont typeface="+mj-lt"/>
-              <a:buAutoNum type="arabicPeriod"/>
-            </a:pPr>
-            <a:r>
-              <a:rPr lang="es-MX" b="1" dirty="0"/>
-              <a:t>Ordena los elementos por cada dígito</a:t>
-            </a:r>
-            <a:r>
-              <a:rPr lang="es-MX" dirty="0"/>
-              <a:t>, empezando por el dígito menos significativo (el de las unidades).</a:t>
-            </a:r>
-          </a:p>
-          <a:p>
-            <a:pPr marL="742950" lvl="1" indent="-285750">
-              <a:buFont typeface="+mj-lt"/>
-              <a:buAutoNum type="arabicPeriod"/>
-            </a:pPr>
-            <a:r>
-              <a:rPr lang="es-MX" dirty="0"/>
-              <a:t>Se puede usar un algoritmo estable como </a:t>
-            </a:r>
-            <a:r>
-              <a:rPr lang="es-MX" b="1" dirty="0" err="1"/>
-              <a:t>counting</a:t>
-            </a:r>
-            <a:r>
-              <a:rPr lang="es-MX" b="1" dirty="0"/>
-              <a:t> </a:t>
-            </a:r>
-            <a:r>
-              <a:rPr lang="es-MX" b="1" dirty="0" err="1"/>
-              <a:t>sort</a:t>
-            </a:r>
-            <a:r>
-              <a:rPr lang="es-MX" dirty="0"/>
-              <a:t> para cada dígito.</a:t>
-            </a:r>
-          </a:p>
-          <a:p>
-            <a:pPr>
-              <a:buFont typeface="+mj-lt"/>
-              <a:buAutoNum type="arabicPeriod"/>
-            </a:pPr>
-            <a:r>
-              <a:rPr lang="es-MX" b="1" dirty="0"/>
-              <a:t>Repite el proceso para todos los dígitos</a:t>
-            </a:r>
-            <a:r>
-              <a:rPr lang="es-MX" dirty="0"/>
-              <a:t> hasta llegar al dígito más significativo.</a:t>
-            </a:r>
-          </a:p>
-          <a:p>
-            <a:pPr>
-              <a:buFont typeface="+mj-lt"/>
-              <a:buAutoNum type="arabicPeriod"/>
-            </a:pPr>
-            <a:r>
-              <a:rPr lang="es-MX" dirty="0"/>
-              <a:t>Al final, el arreglo queda completamente ordenado.</a:t>
-            </a:r>
-          </a:p>
-        </p:txBody>
-      </p:sp>
-    </p:spTree>
-    <p:extLst>
-      <p:ext uri="{BB962C8B-B14F-4D97-AF65-F5344CB8AC3E}">
-        <p14:creationId xmlns:p14="http://schemas.microsoft.com/office/powerpoint/2010/main" val="2521311442"/>
-      </p:ext>
-    </p:extLst>
-  </p:cSld>
-  <p:clrMapOvr>
-    <a:masterClrMapping/>
-  </p:clrMapOvr>
-</p:sld>
-</file>
-
-<file path=ppt/slides/slide11.xml><?xml version="1.0" encoding="utf-8"?>
-<p:sld xmlns:a="http://schemas.openxmlformats.org/drawingml/2006/main" xmlns:r="http://schemas.openxmlformats.org/officeDocument/2006/relationships" xmlns:p="http://schemas.openxmlformats.org/presentationml/2006/main">
-  <p:cSld>
-    <p:spTree>
-      <p:nvGrpSpPr>
-        <p:cNvPr id="1" name=""/>
-        <p:cNvGrpSpPr/>
-        <p:nvPr/>
-      </p:nvGrpSpPr>
-      <p:grpSpPr>
-        <a:xfrm>
-          <a:off x="0" y="0"/>
-          <a:ext cx="0" cy="0"/>
-          <a:chOff x="0" y="0"/>
-          <a:chExt cx="0" cy="0"/>
-        </a:xfrm>
-      </p:grpSpPr>
-      <p:sp>
-        <p:nvSpPr>
-          <p:cNvPr id="2" name="Título 1">
-            <a:extLst>
-              <a:ext uri="{FF2B5EF4-FFF2-40B4-BE49-F238E27FC236}">
-                <a16:creationId xmlns:a16="http://schemas.microsoft.com/office/drawing/2014/main" id="{01FB6CDD-4F9F-E10F-CC82-723B4281E19D}"/>
-              </a:ext>
-            </a:extLst>
-          </p:cNvPr>
-          <p:cNvSpPr>
-            <a:spLocks noGrp="1"/>
-          </p:cNvSpPr>
-          <p:nvPr>
-            <p:ph type="title"/>
-          </p:nvPr>
-        </p:nvSpPr>
-        <p:spPr>
-          <a:xfrm>
-            <a:off x="729466" y="0"/>
-            <a:ext cx="10364451" cy="1596177"/>
-          </a:xfrm>
-        </p:spPr>
-        <p:txBody>
-          <a:bodyPr/>
-          <a:lstStyle/>
-          <a:p>
-            <a:r>
-              <a:rPr lang="es-MX" dirty="0"/>
-              <a:t>RESULTADO</a:t>
-            </a:r>
-          </a:p>
-        </p:txBody>
-      </p:sp>
-      <p:pic>
-        <p:nvPicPr>
-          <p:cNvPr id="5" name="Marcador de contenido 4">
-            <a:extLst>
-              <a:ext uri="{FF2B5EF4-FFF2-40B4-BE49-F238E27FC236}">
-                <a16:creationId xmlns:a16="http://schemas.microsoft.com/office/drawing/2014/main" id="{43885C90-FB52-B457-85F0-8D9A7C829888}"/>
-              </a:ext>
-            </a:extLst>
-          </p:cNvPr>
-          <p:cNvPicPr>
-            <a:picLocks noGrp="1" noChangeAspect="1"/>
-          </p:cNvPicPr>
-          <p:nvPr>
-            <p:ph idx="1"/>
-          </p:nvPr>
-        </p:nvPicPr>
-        <p:blipFill>
-          <a:blip r:embed="rId2"/>
-          <a:stretch>
-            <a:fillRect/>
-          </a:stretch>
-        </p:blipFill>
-        <p:spPr>
-          <a:xfrm>
-            <a:off x="6456358" y="1397285"/>
-            <a:ext cx="5405322" cy="3904180"/>
-          </a:xfrm>
-        </p:spPr>
-      </p:pic>
-      <p:pic>
-        <p:nvPicPr>
-          <p:cNvPr id="7" name="Imagen 6">
-            <a:extLst>
-              <a:ext uri="{FF2B5EF4-FFF2-40B4-BE49-F238E27FC236}">
-                <a16:creationId xmlns:a16="http://schemas.microsoft.com/office/drawing/2014/main" id="{85E1570A-4259-68F3-BC4C-4952F8E6B205}"/>
-              </a:ext>
-            </a:extLst>
-          </p:cNvPr>
-          <p:cNvPicPr>
-            <a:picLocks noChangeAspect="1"/>
-          </p:cNvPicPr>
-          <p:nvPr/>
-        </p:nvPicPr>
-        <p:blipFill>
-          <a:blip r:embed="rId3"/>
-          <a:stretch>
-            <a:fillRect/>
-          </a:stretch>
-        </p:blipFill>
-        <p:spPr>
-          <a:xfrm>
-            <a:off x="246580" y="1596177"/>
-            <a:ext cx="6063376" cy="2757189"/>
-          </a:xfrm>
-          <a:prstGeom prst="rect">
-            <a:avLst/>
-          </a:prstGeom>
-        </p:spPr>
-      </p:pic>
-    </p:spTree>
-    <p:extLst>
-      <p:ext uri="{BB962C8B-B14F-4D97-AF65-F5344CB8AC3E}">
-        <p14:creationId xmlns:p14="http://schemas.microsoft.com/office/powerpoint/2010/main" val="2512696624"/>
-      </p:ext>
-    </p:extLst>
-  </p:cSld>
-  <p:clrMapOvr>
-    <a:masterClrMapping/>
-  </p:clrMapOvr>
-</p:sld>
-</file>
-
-<file path=ppt/slides/slide12.xml><?xml version="1.0" encoding="utf-8"?>
-<p:sld xmlns:a="http://schemas.openxmlformats.org/drawingml/2006/main" xmlns:r="http://schemas.openxmlformats.org/officeDocument/2006/relationships" xmlns:p="http://schemas.openxmlformats.org/presentationml/2006/main">
-  <p:cSld>
-    <p:spTree>
-      <p:nvGrpSpPr>
-        <p:cNvPr id="1" name=""/>
-        <p:cNvGrpSpPr/>
-        <p:nvPr/>
-      </p:nvGrpSpPr>
-      <p:grpSpPr>
-        <a:xfrm>
-          <a:off x="0" y="0"/>
-          <a:ext cx="0" cy="0"/>
-          <a:chOff x="0" y="0"/>
-          <a:chExt cx="0" cy="0"/>
-        </a:xfrm>
-      </p:grpSpPr>
-      <p:sp>
-        <p:nvSpPr>
-          <p:cNvPr id="2" name="Título 1">
-            <a:extLst>
-              <a:ext uri="{FF2B5EF4-FFF2-40B4-BE49-F238E27FC236}">
-                <a16:creationId xmlns:a16="http://schemas.microsoft.com/office/drawing/2014/main" id="{41C9F105-3DA2-65E9-5D56-F044EA0DE23B}"/>
-              </a:ext>
-            </a:extLst>
-          </p:cNvPr>
-          <p:cNvSpPr>
-            <a:spLocks noGrp="1"/>
-          </p:cNvSpPr>
-          <p:nvPr>
-            <p:ph type="title"/>
-          </p:nvPr>
-        </p:nvSpPr>
-        <p:spPr/>
-        <p:txBody>
-          <a:bodyPr/>
-          <a:lstStyle/>
-          <a:p>
-            <a:r>
-              <a:rPr lang="es-MX" dirty="0"/>
-              <a:t>Conclusión </a:t>
-            </a:r>
-          </a:p>
-        </p:txBody>
-      </p:sp>
-      <p:sp>
-        <p:nvSpPr>
-          <p:cNvPr id="3" name="Marcador de contenido 2">
-            <a:extLst>
-              <a:ext uri="{FF2B5EF4-FFF2-40B4-BE49-F238E27FC236}">
-                <a16:creationId xmlns:a16="http://schemas.microsoft.com/office/drawing/2014/main" id="{50D8CED9-3D32-FA18-49F8-0CB8EAE2B57F}"/>
-              </a:ext>
-            </a:extLst>
-          </p:cNvPr>
-          <p:cNvSpPr>
-            <a:spLocks noGrp="1"/>
-          </p:cNvSpPr>
-          <p:nvPr>
-            <p:ph idx="1"/>
-          </p:nvPr>
-        </p:nvSpPr>
-        <p:spPr/>
-        <p:txBody>
-          <a:bodyPr>
-            <a:normAutofit fontScale="92500"/>
-          </a:bodyPr>
-          <a:lstStyle/>
-          <a:p>
-            <a:pPr marL="0" indent="0" algn="just">
-              <a:buNone/>
-            </a:pPr>
-            <a:r>
-              <a:rPr lang="es-MX" dirty="0"/>
-              <a:t>A través del desarrollo de los métodos de ordenamiento Burbuja, </a:t>
-            </a:r>
-            <a:r>
-              <a:rPr lang="es-MX" dirty="0" err="1"/>
-              <a:t>QuickSort</a:t>
-            </a:r>
-            <a:r>
-              <a:rPr lang="es-MX" dirty="0"/>
-              <a:t>, </a:t>
-            </a:r>
-            <a:r>
-              <a:rPr lang="es-MX" dirty="0" err="1"/>
-              <a:t>ShellSort</a:t>
-            </a:r>
-            <a:r>
-              <a:rPr lang="es-MX" dirty="0"/>
-              <a:t> y </a:t>
-            </a:r>
-            <a:r>
-              <a:rPr lang="es-MX" dirty="0" err="1"/>
-              <a:t>RadixSort</a:t>
-            </a:r>
-            <a:r>
-              <a:rPr lang="es-MX" dirty="0"/>
-              <a:t>, se logró reforzar el conocimiento sobre diferentes estrategias para organizar datos de manera eficiente. La práctica permitió observar las ventajas y limitaciones de cada algoritmo, así como su comportamiento en distintos escenarios.</a:t>
-            </a:r>
-            <a:br>
-              <a:rPr lang="es-MX" dirty="0"/>
-            </a:br>
-            <a:r>
-              <a:rPr lang="es-MX" dirty="0"/>
-              <a:t>La integración de estos métodos en una aplicación con interfaz gráfica facilitó la visualización de los resultados y mejoró la comprensión del proceso de ordenamiento. En conjunto, estos ejercicios contribuyen a una mejor base en el estudio de estructuras de datos y algoritmos, habilidades esenciales en el desarrollo de software.</a:t>
-            </a:r>
-          </a:p>
-        </p:txBody>
-      </p:sp>
-    </p:spTree>
-    <p:extLst>
-      <p:ext uri="{BB962C8B-B14F-4D97-AF65-F5344CB8AC3E}">
-        <p14:creationId xmlns:p14="http://schemas.microsoft.com/office/powerpoint/2010/main" val="3768475896"/>
-      </p:ext>
-    </p:extLst>
-  </p:cSld>
-  <p:clrMapOvr>
-    <a:masterClrMapping/>
-  </p:clrMapOvr>
-</p:sld>
-</file>
-
-<file path=ppt/slides/slide13.xml><?xml version="1.0" encoding="utf-8"?>
-<p:sld xmlns:a="http://schemas.openxmlformats.org/drawingml/2006/main" xmlns:r="http://schemas.openxmlformats.org/officeDocument/2006/relationships" xmlns:p="http://schemas.openxmlformats.org/presentationml/2006/main">
-  <p:cSld>
-    <p:spTree>
-      <p:nvGrpSpPr>
-        <p:cNvPr id="1" name=""/>
-        <p:cNvGrpSpPr/>
-        <p:nvPr/>
-      </p:nvGrpSpPr>
-      <p:grpSpPr>
-        <a:xfrm>
-          <a:off x="0" y="0"/>
-          <a:ext cx="0" cy="0"/>
-          <a:chOff x="0" y="0"/>
-          <a:chExt cx="0" cy="0"/>
-        </a:xfrm>
-      </p:grpSpPr>
-      <p:sp>
-        <p:nvSpPr>
-          <p:cNvPr id="2" name="Título 1">
-            <a:extLst>
-              <a:ext uri="{FF2B5EF4-FFF2-40B4-BE49-F238E27FC236}">
-                <a16:creationId xmlns:a16="http://schemas.microsoft.com/office/drawing/2014/main" id="{1F94C1CE-2108-2B77-1AD7-860D2B245286}"/>
-              </a:ext>
-            </a:extLst>
-          </p:cNvPr>
-          <p:cNvSpPr>
-            <a:spLocks noGrp="1"/>
-          </p:cNvSpPr>
-          <p:nvPr>
-            <p:ph type="title"/>
-          </p:nvPr>
-        </p:nvSpPr>
-        <p:spPr/>
-        <p:txBody>
-          <a:bodyPr/>
-          <a:lstStyle/>
-          <a:p>
-            <a:r>
-              <a:rPr lang="es-MX" dirty="0"/>
-              <a:t>Anexo Link de los ejercicios solicitados en </a:t>
-            </a:r>
-            <a:r>
-              <a:rPr lang="es-MX" dirty="0" err="1"/>
-              <a:t>intelji</a:t>
-            </a:r>
-            <a:r>
-              <a:rPr lang="es-MX" dirty="0"/>
-              <a:t> y enviados en GitHub:</a:t>
-            </a:r>
-          </a:p>
-        </p:txBody>
-      </p:sp>
-      <p:sp>
-        <p:nvSpPr>
-          <p:cNvPr id="3" name="Marcador de contenido 2">
-            <a:extLst>
-              <a:ext uri="{FF2B5EF4-FFF2-40B4-BE49-F238E27FC236}">
-                <a16:creationId xmlns:a16="http://schemas.microsoft.com/office/drawing/2014/main" id="{4170214D-2143-4A6B-6023-C4413BDB40F3}"/>
-              </a:ext>
-            </a:extLst>
-          </p:cNvPr>
-          <p:cNvSpPr>
-            <a:spLocks noGrp="1"/>
-          </p:cNvSpPr>
-          <p:nvPr>
-            <p:ph idx="1"/>
-          </p:nvPr>
-        </p:nvSpPr>
-        <p:spPr>
-          <a:xfrm>
-            <a:off x="838200" y="2214694"/>
-            <a:ext cx="10515600" cy="948397"/>
-          </a:xfrm>
-        </p:spPr>
-        <p:txBody>
-          <a:bodyPr/>
-          <a:lstStyle/>
-          <a:p>
-            <a:pPr marL="0" indent="0">
-              <a:buNone/>
-            </a:pPr>
-            <a:r>
-              <a:rPr lang="es-MX" dirty="0">
-                <a:hlinkClick r:id="rId2">
-                  <a:extLst>
-                    <a:ext uri="{A12FA001-AC4F-418D-AE19-62706E023703}">
-                      <ahyp:hlinkClr xmlns:ahyp="http://schemas.microsoft.com/office/drawing/2018/hyperlinkcolor" val="tx"/>
-                    </a:ext>
-                  </a:extLst>
-                </a:hlinkClick>
-              </a:rPr>
-              <a:t>https://github.com/Cynthia21Morales/EstructuraDeDatos_CynthiaJasmineMT/tree/main/ED-Tema-5/Codigos-Metodos-de-Ordenamiento</a:t>
-            </a:r>
-          </a:p>
-        </p:txBody>
-      </p:sp>
-    </p:spTree>
-    <p:extLst>
-      <p:ext uri="{BB962C8B-B14F-4D97-AF65-F5344CB8AC3E}">
-        <p14:creationId xmlns:p14="http://schemas.microsoft.com/office/powerpoint/2010/main" val="4086972544"/>
-      </p:ext>
-    </p:extLst>
-  </p:cSld>
-  <p:clrMapOvr>
-    <a:masterClrMapping/>
-  </p:clrMapOvr>
-</p:sld>
-</file>
-
 <file path=ppt/slides/slide2.xml><?xml version="1.0" encoding="utf-8"?>
 <p:sld xmlns:a="http://schemas.openxmlformats.org/drawingml/2006/main" xmlns:r="http://schemas.openxmlformats.org/officeDocument/2006/relationships" xmlns:p="http://schemas.openxmlformats.org/presentationml/2006/main">
   <p:cSld>
@@ -8280,7 +7674,7 @@
           <p:cNvPr id="2" name="Título 1">
             <a:extLst>
               <a:ext uri="{FF2B5EF4-FFF2-40B4-BE49-F238E27FC236}">
-                <a16:creationId xmlns:a16="http://schemas.microsoft.com/office/drawing/2014/main" id="{8DACFF66-E36D-D04B-D439-943F244FB7AA}"/>
+                <a16:creationId xmlns:a16="http://schemas.microsoft.com/office/drawing/2014/main" id="{8F0AFDF3-5EEF-09E2-4291-7BAC5EA66295}"/>
               </a:ext>
             </a:extLst>
           </p:cNvPr>
@@ -8298,7 +7692,7 @@
           <a:p>
             <a:r>
               <a:rPr lang="es-MX" dirty="0"/>
-              <a:t>METODO DE ORDENAMIENTO: BURBUJA</a:t>
+              <a:t>Métodos de ordenamiento pantallas principal al momento de ejecutar</a:t>
             </a:r>
           </a:p>
         </p:txBody>
@@ -8308,7 +7702,7 @@
           <p:cNvPr id="5" name="Marcador de contenido 4">
             <a:extLst>
               <a:ext uri="{FF2B5EF4-FFF2-40B4-BE49-F238E27FC236}">
-                <a16:creationId xmlns:a16="http://schemas.microsoft.com/office/drawing/2014/main" id="{B910FA66-484D-04DB-08DE-9887C62B66E7}"/>
+                <a16:creationId xmlns:a16="http://schemas.microsoft.com/office/drawing/2014/main" id="{D312FA0A-1630-E96A-11F9-7725A6BF08F2}"/>
               </a:ext>
             </a:extLst>
           </p:cNvPr>
@@ -8327,273 +7721,97 @@
         </p:blipFill>
         <p:spPr>
           <a:xfrm>
-            <a:off x="714910" y="1763980"/>
-            <a:ext cx="3534763" cy="4351338"/>
+            <a:off x="7807847" y="2214694"/>
+            <a:ext cx="3562734" cy="3424237"/>
           </a:xfrm>
         </p:spPr>
       </p:pic>
       <p:sp>
         <p:nvSpPr>
-          <p:cNvPr id="6" name="Rectangle 1">
+          <p:cNvPr id="7" name="CuadroTexto 6">
             <a:extLst>
               <a:ext uri="{FF2B5EF4-FFF2-40B4-BE49-F238E27FC236}">
-                <a16:creationId xmlns:a16="http://schemas.microsoft.com/office/drawing/2014/main" id="{00AE3A17-C6BF-4005-6A50-2143EF176973}"/>
+                <a16:creationId xmlns:a16="http://schemas.microsoft.com/office/drawing/2014/main" id="{C648C042-24BA-D1FA-B2CE-6F04C7B75BFE}"/>
               </a:ext>
             </a:extLst>
           </p:cNvPr>
-          <p:cNvSpPr>
-            <a:spLocks noChangeArrowheads="1"/>
-          </p:cNvSpPr>
+          <p:cNvSpPr txBox="1"/>
           <p:nvPr/>
         </p:nvSpPr>
-        <p:spPr bwMode="auto">
-          <a:xfrm>
-            <a:off x="4370998" y="1868001"/>
-            <a:ext cx="7574422" cy="4247317"/>
+        <p:spPr>
+          <a:xfrm>
+            <a:off x="1055098" y="4900267"/>
+            <a:ext cx="6097712" cy="1477328"/>
           </a:xfrm>
           <a:prstGeom prst="rect">
             <a:avLst/>
           </a:prstGeom>
           <a:noFill/>
-          <a:ln>
-            <a:noFill/>
-          </a:ln>
-          <a:effectLst/>
-          <a:extLst>
-            <a:ext uri="{909E8E84-426E-40DD-AFC4-6F175D3DCCD1}">
-              <a14:hiddenFill xmlns:a14="http://schemas.microsoft.com/office/drawing/2010/main">
-                <a:solidFill>
-                  <a:schemeClr val="accent1"/>
-                </a:solidFill>
-              </a14:hiddenFill>
-            </a:ext>
-            <a:ext uri="{91240B29-F687-4F45-9708-019B960494DF}">
-              <a14:hiddenLine xmlns:a14="http://schemas.microsoft.com/office/drawing/2010/main" w="9525">
-                <a:solidFill>
-                  <a:schemeClr val="tx1"/>
-                </a:solidFill>
-                <a:miter lim="800000"/>
-                <a:headEnd/>
-                <a:tailEnd/>
-              </a14:hiddenLine>
-            </a:ext>
-            <a:ext uri="{AF507438-7753-43E0-B8FC-AC1667EBCBE1}">
-              <a14:hiddenEffects xmlns:a14="http://schemas.microsoft.com/office/drawing/2010/main">
-                <a:effectLst>
-                  <a:outerShdw dist="35921" dir="2700000" algn="ctr" rotWithShape="0">
-                    <a:schemeClr val="bg2"/>
-                  </a:outerShdw>
-                </a:effectLst>
-              </a14:hiddenEffects>
-            </a:ext>
-          </a:extLst>
-        </p:spPr>
-        <p:txBody>
-          <a:bodyPr vert="horz" wrap="square" lIns="91440" tIns="45720" rIns="91440" bIns="45720" numCol="1" anchor="ctr" anchorCtr="0" compatLnSpc="1">
-            <a:prstTxWarp prst="textNoShape">
-              <a:avLst/>
-            </a:prstTxWarp>
+        </p:spPr>
+        <p:txBody>
+          <a:bodyPr wrap="square">
             <a:spAutoFit/>
           </a:bodyPr>
           <a:lstStyle/>
           <a:p>
-            <a:pPr marL="0" marR="0" lvl="0" indent="0" algn="just" defTabSz="914400" rtl="0" eaLnBrk="0" fontAlgn="base" latinLnBrk="0" hangingPunct="0">
-              <a:lnSpc>
-                <a:spcPct val="100000"/>
-              </a:lnSpc>
-              <a:spcBef>
-                <a:spcPct val="0"/>
-              </a:spcBef>
-              <a:spcAft>
-                <a:spcPct val="0"/>
-              </a:spcAft>
-              <a:buClrTx/>
-              <a:buSzTx/>
-              <a:buFontTx/>
-              <a:buNone/>
-              <a:tabLst/>
-            </a:pPr>
-            <a:r>
-              <a:rPr lang="es-MX" altLang="es-MX" dirty="0"/>
-              <a:t>El ordenamiento burbuja es un algoritmo simple que ordena un arreglo comparando elementos adyacentes y “haciendo burbujear” los valores más grandes hacia el final del arreglo. Se repite varias veces hasta que todos los elementos quedan ordenados.</a:t>
-            </a:r>
-          </a:p>
-          <a:p>
-            <a:pPr marL="0" marR="0" lvl="0" indent="0" algn="just" defTabSz="914400" rtl="0" eaLnBrk="0" fontAlgn="base" latinLnBrk="0" hangingPunct="0">
-              <a:lnSpc>
-                <a:spcPct val="100000"/>
-              </a:lnSpc>
-              <a:spcBef>
-                <a:spcPct val="0"/>
-              </a:spcBef>
-              <a:spcAft>
-                <a:spcPct val="0"/>
-              </a:spcAft>
-              <a:buClrTx/>
-              <a:buSzTx/>
-              <a:buFontTx/>
-              <a:buNone/>
-              <a:tabLst/>
-            </a:pPr>
-            <a:endParaRPr lang="es-MX" altLang="es-MX" dirty="0"/>
-          </a:p>
-          <a:p>
-            <a:pPr marL="0" marR="0" lvl="0" indent="0" algn="just" defTabSz="914400" rtl="0" eaLnBrk="0" fontAlgn="base" latinLnBrk="0" hangingPunct="0">
-              <a:lnSpc>
-                <a:spcPct val="100000"/>
-              </a:lnSpc>
-              <a:spcBef>
-                <a:spcPct val="0"/>
-              </a:spcBef>
-              <a:spcAft>
-                <a:spcPct val="0"/>
-              </a:spcAft>
-              <a:buClrTx/>
-              <a:buSzTx/>
-              <a:buFontTx/>
-              <a:buAutoNum type="arabicPeriod"/>
-              <a:tabLst/>
-            </a:pPr>
-            <a:r>
-              <a:rPr lang="es-MX" altLang="es-MX" dirty="0"/>
-              <a:t>Recorre el arreglo desde el primer hasta el penúltimo elemento.</a:t>
-            </a:r>
-          </a:p>
-          <a:p>
-            <a:pPr marL="0" marR="0" lvl="0" indent="0" algn="just" defTabSz="914400" rtl="0" eaLnBrk="0" fontAlgn="base" latinLnBrk="0" hangingPunct="0">
-              <a:lnSpc>
-                <a:spcPct val="100000"/>
-              </a:lnSpc>
-              <a:spcBef>
-                <a:spcPct val="0"/>
-              </a:spcBef>
-              <a:spcAft>
-                <a:spcPct val="0"/>
-              </a:spcAft>
-              <a:buClrTx/>
-              <a:buSzTx/>
-              <a:buFontTx/>
-              <a:buAutoNum type="arabicPeriod" startAt="2"/>
-              <a:tabLst/>
-            </a:pPr>
-            <a:r>
-              <a:rPr lang="es-MX" altLang="es-MX" dirty="0"/>
-              <a:t>Compara cada par de elementos consecutivos:</a:t>
-            </a:r>
-          </a:p>
-          <a:p>
-            <a:pPr marL="457200" marR="0" lvl="1" indent="0" algn="just" defTabSz="914400" rtl="0" eaLnBrk="0" fontAlgn="base" latinLnBrk="0" hangingPunct="0">
-              <a:lnSpc>
-                <a:spcPct val="100000"/>
-              </a:lnSpc>
-              <a:spcBef>
-                <a:spcPct val="0"/>
-              </a:spcBef>
-              <a:spcAft>
-                <a:spcPct val="0"/>
-              </a:spcAft>
-              <a:buClrTx/>
-              <a:buSzTx/>
-              <a:buFontTx/>
-              <a:buChar char="•"/>
-              <a:tabLst/>
-            </a:pPr>
-            <a:r>
-              <a:rPr lang="es-MX" altLang="es-MX" dirty="0"/>
-              <a:t>Si el primero es mayor que el segundo, se intercambian.</a:t>
-            </a:r>
-          </a:p>
-          <a:p>
-            <a:pPr marL="0" marR="0" lvl="0" indent="0" algn="just" defTabSz="914400" rtl="0" eaLnBrk="0" fontAlgn="base" latinLnBrk="0" hangingPunct="0">
-              <a:lnSpc>
-                <a:spcPct val="100000"/>
-              </a:lnSpc>
-              <a:spcBef>
-                <a:spcPct val="0"/>
-              </a:spcBef>
-              <a:spcAft>
-                <a:spcPct val="0"/>
-              </a:spcAft>
-              <a:buClrTx/>
-              <a:buSzTx/>
-              <a:buFontTx/>
-              <a:buAutoNum type="arabicPeriod" startAt="3"/>
-              <a:tabLst/>
-            </a:pPr>
-            <a:r>
-              <a:rPr lang="es-MX" altLang="es-MX" dirty="0"/>
-              <a:t>Este proceso se repite para todo el arreglo varias veces (generalmente n-1 pasadas, donde n es el tamaño del arreglo).</a:t>
-            </a:r>
-          </a:p>
-          <a:p>
-            <a:pPr marL="0" marR="0" lvl="0" indent="0" algn="just" defTabSz="914400" rtl="0" eaLnBrk="0" fontAlgn="base" latinLnBrk="0" hangingPunct="0">
-              <a:lnSpc>
-                <a:spcPct val="100000"/>
-              </a:lnSpc>
-              <a:spcBef>
-                <a:spcPct val="0"/>
-              </a:spcBef>
-              <a:spcAft>
-                <a:spcPct val="0"/>
-              </a:spcAft>
-              <a:buClrTx/>
-              <a:buSzTx/>
-              <a:buFontTx/>
-              <a:buAutoNum type="arabicPeriod" startAt="4"/>
-              <a:tabLst/>
-            </a:pPr>
-            <a:r>
-              <a:rPr lang="es-MX" altLang="es-MX" dirty="0"/>
-              <a:t>Al final de cada pasada, el mayor elemento “burbujea” hasta la posición correcta.</a:t>
-            </a:r>
-          </a:p>
-          <a:p>
-            <a:pPr marL="0" marR="0" lvl="0" indent="0" algn="just" defTabSz="914400" rtl="0" eaLnBrk="0" fontAlgn="base" latinLnBrk="0" hangingPunct="0">
-              <a:lnSpc>
-                <a:spcPct val="100000"/>
-              </a:lnSpc>
-              <a:spcBef>
-                <a:spcPct val="0"/>
-              </a:spcBef>
-              <a:spcAft>
-                <a:spcPct val="0"/>
-              </a:spcAft>
-              <a:buClrTx/>
-              <a:buSzTx/>
-              <a:buFontTx/>
-              <a:buAutoNum type="arabicPeriod" startAt="5"/>
-              <a:tabLst/>
-            </a:pPr>
-            <a:r>
-              <a:rPr lang="es-MX" altLang="es-MX" dirty="0"/>
-              <a:t>Cuando no hay más intercambios en una pasada, el arreglo está completamente ordenado.</a:t>
-            </a:r>
-          </a:p>
-          <a:p>
-            <a:pPr marL="0" marR="0" lvl="0" indent="0" algn="just" defTabSz="914400" rtl="0" eaLnBrk="0" fontAlgn="base" latinLnBrk="0" hangingPunct="0">
-              <a:lnSpc>
-                <a:spcPct val="100000"/>
-              </a:lnSpc>
-              <a:spcBef>
-                <a:spcPct val="0"/>
-              </a:spcBef>
-              <a:spcAft>
-                <a:spcPct val="0"/>
-              </a:spcAft>
-              <a:buClrTx/>
-              <a:buSzTx/>
-              <a:buFontTx/>
-              <a:buNone/>
-              <a:tabLst/>
-            </a:pPr>
-            <a:endParaRPr lang="es-MX" altLang="es-MX" dirty="0"/>
-          </a:p>
-        </p:txBody>
-      </p:sp>
+            <a:pPr algn="just"/>
+            <a:r>
+              <a:rPr lang="es-MX" dirty="0"/>
+              <a:t>Este proyecto está diseñado para </a:t>
+            </a:r>
+            <a:r>
+              <a:rPr lang="es-MX" b="1" dirty="0"/>
+              <a:t>demostrar el funcionamiento de diferentes métodos de ordenamiento</a:t>
+            </a:r>
+            <a:r>
+              <a:rPr lang="es-MX" dirty="0"/>
+              <a:t>, tanto internos como externos, mediante una interfaz gráfica en </a:t>
+            </a:r>
+            <a:r>
+              <a:rPr lang="es-MX" b="1" dirty="0" err="1"/>
+              <a:t>JavaFX</a:t>
+            </a:r>
+            <a:r>
+              <a:rPr lang="es-MX" dirty="0"/>
+              <a:t>. Los métodos incluidos permiten estudiar la eficiencia y la forma en que se reorganizan los datos.</a:t>
+            </a:r>
+          </a:p>
+        </p:txBody>
+      </p:sp>
+      <p:pic>
+        <p:nvPicPr>
+          <p:cNvPr id="9" name="Imagen 8">
+            <a:extLst>
+              <a:ext uri="{FF2B5EF4-FFF2-40B4-BE49-F238E27FC236}">
+                <a16:creationId xmlns:a16="http://schemas.microsoft.com/office/drawing/2014/main" id="{9B1B1607-0172-940E-77F4-7FC852271062}"/>
+              </a:ext>
+            </a:extLst>
+          </p:cNvPr>
+          <p:cNvPicPr>
+            <a:picLocks noChangeAspect="1"/>
+          </p:cNvPicPr>
+          <p:nvPr/>
+        </p:nvPicPr>
+        <p:blipFill>
+          <a:blip r:embed="rId3"/>
+          <a:stretch>
+            <a:fillRect/>
+          </a:stretch>
+        </p:blipFill>
+        <p:spPr>
+          <a:xfrm>
+            <a:off x="1639901" y="2025463"/>
+            <a:ext cx="4456099" cy="2776989"/>
+          </a:xfrm>
+          <a:prstGeom prst="rect">
+            <a:avLst/>
+          </a:prstGeom>
+        </p:spPr>
+      </p:pic>
     </p:spTree>
     <p:extLst>
       <p:ext uri="{BB962C8B-B14F-4D97-AF65-F5344CB8AC3E}">
-        <p14:creationId xmlns:p14="http://schemas.microsoft.com/office/powerpoint/2010/main" val="1505429299"/>
+        <p14:creationId xmlns:p14="http://schemas.microsoft.com/office/powerpoint/2010/main" val="2416910602"/>
       </p:ext>
     </p:extLst>
   </p:cSld>
@@ -8625,7 +7843,7 @@
           <p:cNvPr id="2" name="Título 1">
             <a:extLst>
               <a:ext uri="{FF2B5EF4-FFF2-40B4-BE49-F238E27FC236}">
-                <a16:creationId xmlns:a16="http://schemas.microsoft.com/office/drawing/2014/main" id="{EB8258A1-FFA7-5009-2905-B4BB755581F4}"/>
+                <a16:creationId xmlns:a16="http://schemas.microsoft.com/office/drawing/2014/main" id="{41D39AE1-F20F-A848-2DE2-AB4819BF3A8A}"/>
               </a:ext>
             </a:extLst>
           </p:cNvPr>
@@ -8643,7 +7861,7 @@
           <a:p>
             <a:r>
               <a:rPr lang="es-MX" dirty="0"/>
-              <a:t>Resultado </a:t>
+              <a:t>Pantalla grafica de cada método de ordenamiento</a:t>
             </a:r>
           </a:p>
         </p:txBody>
@@ -8653,7 +7871,7 @@
           <p:cNvPr id="5" name="Marcador de contenido 4">
             <a:extLst>
               <a:ext uri="{FF2B5EF4-FFF2-40B4-BE49-F238E27FC236}">
-                <a16:creationId xmlns:a16="http://schemas.microsoft.com/office/drawing/2014/main" id="{A584B989-5D2C-B279-8198-BFE4A8AAAEDB}"/>
+                <a16:creationId xmlns:a16="http://schemas.microsoft.com/office/drawing/2014/main" id="{DBA92169-136C-7241-0648-3FE7D84E0A2B}"/>
               </a:ext>
             </a:extLst>
           </p:cNvPr>
@@ -8672,8 +7890,8 @@
         </p:blipFill>
         <p:spPr>
           <a:xfrm>
-            <a:off x="7214605" y="1808251"/>
-            <a:ext cx="4139195" cy="2961152"/>
+            <a:off x="650500" y="2214694"/>
+            <a:ext cx="2364868" cy="2276344"/>
           </a:xfrm>
         </p:spPr>
       </p:pic>
@@ -8682,7 +7900,7 @@
           <p:cNvPr id="7" name="Imagen 6">
             <a:extLst>
               <a:ext uri="{FF2B5EF4-FFF2-40B4-BE49-F238E27FC236}">
-                <a16:creationId xmlns:a16="http://schemas.microsoft.com/office/drawing/2014/main" id="{A3204AE2-959C-7BC8-B8F7-C7DB79DAD3EA}"/>
+                <a16:creationId xmlns:a16="http://schemas.microsoft.com/office/drawing/2014/main" id="{B6301118-BC36-7306-11A7-F330A34E0B4F}"/>
               </a:ext>
             </a:extLst>
           </p:cNvPr>
@@ -8699,8 +7917,158 @@
         </p:blipFill>
         <p:spPr>
           <a:xfrm>
-            <a:off x="339046" y="1992891"/>
-            <a:ext cx="6717217" cy="2353078"/>
+            <a:off x="3326737" y="2214694"/>
+            <a:ext cx="2364868" cy="2264503"/>
+          </a:xfrm>
+          <a:prstGeom prst="rect">
+            <a:avLst/>
+          </a:prstGeom>
+        </p:spPr>
+      </p:pic>
+      <p:pic>
+        <p:nvPicPr>
+          <p:cNvPr id="9" name="Imagen 8">
+            <a:extLst>
+              <a:ext uri="{FF2B5EF4-FFF2-40B4-BE49-F238E27FC236}">
+                <a16:creationId xmlns:a16="http://schemas.microsoft.com/office/drawing/2014/main" id="{B2558A37-9FDE-8689-57BD-8650A1BDF783}"/>
+              </a:ext>
+            </a:extLst>
+          </p:cNvPr>
+          <p:cNvPicPr>
+            <a:picLocks noChangeAspect="1"/>
+          </p:cNvPicPr>
+          <p:nvPr/>
+        </p:nvPicPr>
+        <p:blipFill>
+          <a:blip r:embed="rId4"/>
+          <a:stretch>
+            <a:fillRect/>
+          </a:stretch>
+        </p:blipFill>
+        <p:spPr>
+          <a:xfrm>
+            <a:off x="6127251" y="2214694"/>
+            <a:ext cx="2364869" cy="2285511"/>
+          </a:xfrm>
+          <a:prstGeom prst="rect">
+            <a:avLst/>
+          </a:prstGeom>
+        </p:spPr>
+      </p:pic>
+      <p:pic>
+        <p:nvPicPr>
+          <p:cNvPr id="11" name="Imagen 10">
+            <a:extLst>
+              <a:ext uri="{FF2B5EF4-FFF2-40B4-BE49-F238E27FC236}">
+                <a16:creationId xmlns:a16="http://schemas.microsoft.com/office/drawing/2014/main" id="{8A94B5BC-57CE-AB49-F5F2-F27B8D70E906}"/>
+              </a:ext>
+            </a:extLst>
+          </p:cNvPr>
+          <p:cNvPicPr>
+            <a:picLocks noChangeAspect="1"/>
+          </p:cNvPicPr>
+          <p:nvPr/>
+        </p:nvPicPr>
+        <p:blipFill>
+          <a:blip r:embed="rId5"/>
+          <a:stretch>
+            <a:fillRect/>
+          </a:stretch>
+        </p:blipFill>
+        <p:spPr>
+          <a:xfrm>
+            <a:off x="9399313" y="2290709"/>
+            <a:ext cx="2364869" cy="2276581"/>
+          </a:xfrm>
+          <a:prstGeom prst="rect">
+            <a:avLst/>
+          </a:prstGeom>
+        </p:spPr>
+      </p:pic>
+      <p:pic>
+        <p:nvPicPr>
+          <p:cNvPr id="13" name="Imagen 12">
+            <a:extLst>
+              <a:ext uri="{FF2B5EF4-FFF2-40B4-BE49-F238E27FC236}">
+                <a16:creationId xmlns:a16="http://schemas.microsoft.com/office/drawing/2014/main" id="{FBC07D7C-94AA-3AAF-73F7-B7E3E63A133E}"/>
+              </a:ext>
+            </a:extLst>
+          </p:cNvPr>
+          <p:cNvPicPr>
+            <a:picLocks noChangeAspect="1"/>
+          </p:cNvPicPr>
+          <p:nvPr/>
+        </p:nvPicPr>
+        <p:blipFill>
+          <a:blip r:embed="rId6"/>
+          <a:stretch>
+            <a:fillRect/>
+          </a:stretch>
+        </p:blipFill>
+        <p:spPr>
+          <a:xfrm>
+            <a:off x="2214550" y="4567290"/>
+            <a:ext cx="2224374" cy="2134802"/>
+          </a:xfrm>
+          <a:prstGeom prst="rect">
+            <a:avLst/>
+          </a:prstGeom>
+        </p:spPr>
+      </p:pic>
+      <p:pic>
+        <p:nvPicPr>
+          <p:cNvPr id="15" name="Imagen 14">
+            <a:extLst>
+              <a:ext uri="{FF2B5EF4-FFF2-40B4-BE49-F238E27FC236}">
+                <a16:creationId xmlns:a16="http://schemas.microsoft.com/office/drawing/2014/main" id="{D4118A62-7DEA-9963-43DE-BF1F1F36C377}"/>
+              </a:ext>
+            </a:extLst>
+          </p:cNvPr>
+          <p:cNvPicPr>
+            <a:picLocks noChangeAspect="1"/>
+          </p:cNvPicPr>
+          <p:nvPr/>
+        </p:nvPicPr>
+        <p:blipFill>
+          <a:blip r:embed="rId7"/>
+          <a:stretch>
+            <a:fillRect/>
+          </a:stretch>
+        </p:blipFill>
+        <p:spPr>
+          <a:xfrm>
+            <a:off x="4720538" y="4567290"/>
+            <a:ext cx="2224374" cy="2126108"/>
+          </a:xfrm>
+          <a:prstGeom prst="rect">
+            <a:avLst/>
+          </a:prstGeom>
+        </p:spPr>
+      </p:pic>
+      <p:pic>
+        <p:nvPicPr>
+          <p:cNvPr id="17" name="Imagen 16">
+            <a:extLst>
+              <a:ext uri="{FF2B5EF4-FFF2-40B4-BE49-F238E27FC236}">
+                <a16:creationId xmlns:a16="http://schemas.microsoft.com/office/drawing/2014/main" id="{EA0072C0-3D48-8D8E-6B3E-B61B0A4A4485}"/>
+              </a:ext>
+            </a:extLst>
+          </p:cNvPr>
+          <p:cNvPicPr>
+            <a:picLocks noChangeAspect="1"/>
+          </p:cNvPicPr>
+          <p:nvPr/>
+        </p:nvPicPr>
+        <p:blipFill>
+          <a:blip r:embed="rId8"/>
+          <a:stretch>
+            <a:fillRect/>
+          </a:stretch>
+        </p:blipFill>
+        <p:spPr>
+          <a:xfrm>
+            <a:off x="7309686" y="4575836"/>
+            <a:ext cx="2224375" cy="2109015"/>
           </a:xfrm>
           <a:prstGeom prst="rect">
             <a:avLst/>
@@ -8710,7 +8078,7 @@
     </p:spTree>
     <p:extLst>
       <p:ext uri="{BB962C8B-B14F-4D97-AF65-F5344CB8AC3E}">
-        <p14:creationId xmlns:p14="http://schemas.microsoft.com/office/powerpoint/2010/main" val="4085706227"/>
+        <p14:creationId xmlns:p14="http://schemas.microsoft.com/office/powerpoint/2010/main" val="2708314584"/>
       </p:ext>
     </p:extLst>
   </p:cSld>
@@ -8739,10 +8107,10 @@
       </p:grpSpPr>
       <p:sp>
         <p:nvSpPr>
-          <p:cNvPr id="4" name="Título 1">
+          <p:cNvPr id="2" name="Título 1">
             <a:extLst>
               <a:ext uri="{FF2B5EF4-FFF2-40B4-BE49-F238E27FC236}">
-                <a16:creationId xmlns:a16="http://schemas.microsoft.com/office/drawing/2014/main" id="{2AB58313-7612-DF6F-B6B3-0D52639D17D8}"/>
+                <a16:creationId xmlns:a16="http://schemas.microsoft.com/office/drawing/2014/main" id="{41C9F105-3DA2-65E9-5D56-F044EA0DE23B}"/>
               </a:ext>
             </a:extLst>
           </p:cNvPr>
@@ -8753,248 +8121,78 @@
             <p:ph type="title"/>
           </p:nvPr>
         </p:nvSpPr>
-        <p:spPr>
-          <a:xfrm>
-            <a:off x="985694" y="0"/>
-            <a:ext cx="10364451" cy="1596177"/>
-          </a:xfrm>
-        </p:spPr>
+        <p:spPr/>
         <p:txBody>
           <a:bodyPr/>
           <a:lstStyle/>
           <a:p>
             <a:r>
               <a:rPr lang="es-MX" dirty="0"/>
-              <a:t>METODO DE ORDENAMIENTO: </a:t>
-            </a:r>
-            <a:r>
-              <a:rPr lang="es-MX" dirty="0" err="1"/>
-              <a:t>quicksort</a:t>
-            </a:r>
-            <a:endParaRPr lang="es-MX" dirty="0"/>
-          </a:p>
-        </p:txBody>
-      </p:sp>
-      <p:pic>
-        <p:nvPicPr>
-          <p:cNvPr id="6" name="Marcador de contenido 5">
+              <a:t>Conclusión </a:t>
+            </a:r>
+          </a:p>
+        </p:txBody>
+      </p:sp>
+      <p:sp>
+        <p:nvSpPr>
+          <p:cNvPr id="3" name="Marcador de contenido 2">
             <a:extLst>
               <a:ext uri="{FF2B5EF4-FFF2-40B4-BE49-F238E27FC236}">
-                <a16:creationId xmlns:a16="http://schemas.microsoft.com/office/drawing/2014/main" id="{9BBC77E6-809C-11DF-D136-5713BD2C9C43}"/>
+                <a16:creationId xmlns:a16="http://schemas.microsoft.com/office/drawing/2014/main" id="{50D8CED9-3D32-FA18-49F8-0CB8EAE2B57F}"/>
               </a:ext>
             </a:extLst>
           </p:cNvPr>
-          <p:cNvPicPr>
-            <a:picLocks noGrp="1" noChangeAspect="1"/>
-          </p:cNvPicPr>
+          <p:cNvSpPr>
+            <a:spLocks noGrp="1"/>
+          </p:cNvSpPr>
           <p:nvPr>
             <p:ph idx="1"/>
           </p:nvPr>
-        </p:nvPicPr>
-        <p:blipFill>
-          <a:blip r:embed="rId2"/>
-          <a:stretch>
-            <a:fillRect/>
-          </a:stretch>
-        </p:blipFill>
-        <p:spPr>
-          <a:xfrm>
-            <a:off x="141712" y="1346608"/>
-            <a:ext cx="3156462" cy="4351338"/>
-          </a:xfrm>
-        </p:spPr>
-      </p:pic>
-      <p:pic>
-        <p:nvPicPr>
-          <p:cNvPr id="8" name="Imagen 7">
-            <a:extLst>
-              <a:ext uri="{FF2B5EF4-FFF2-40B4-BE49-F238E27FC236}">
-                <a16:creationId xmlns:a16="http://schemas.microsoft.com/office/drawing/2014/main" id="{337FBBF9-538D-A752-F717-51DA5C4F473B}"/>
-              </a:ext>
-            </a:extLst>
-          </p:cNvPr>
-          <p:cNvPicPr>
-            <a:picLocks noChangeAspect="1"/>
-          </p:cNvPicPr>
-          <p:nvPr/>
-        </p:nvPicPr>
-        <p:blipFill>
-          <a:blip r:embed="rId3"/>
-          <a:stretch>
-            <a:fillRect/>
-          </a:stretch>
-        </p:blipFill>
-        <p:spPr>
-          <a:xfrm>
-            <a:off x="3553931" y="1351915"/>
-            <a:ext cx="3156462" cy="2478599"/>
-          </a:xfrm>
-          <a:prstGeom prst="rect">
-            <a:avLst/>
-          </a:prstGeom>
-        </p:spPr>
-      </p:pic>
-      <p:sp>
-        <p:nvSpPr>
-          <p:cNvPr id="10" name="CuadroTexto 9">
-            <a:extLst>
-              <a:ext uri="{FF2B5EF4-FFF2-40B4-BE49-F238E27FC236}">
-                <a16:creationId xmlns:a16="http://schemas.microsoft.com/office/drawing/2014/main" id="{817BAA0B-BBDD-DCE1-464D-78679C9772ED}"/>
-              </a:ext>
-            </a:extLst>
-          </p:cNvPr>
-          <p:cNvSpPr txBox="1"/>
-          <p:nvPr/>
-        </p:nvSpPr>
-        <p:spPr>
-          <a:xfrm>
-            <a:off x="3553931" y="3995678"/>
-            <a:ext cx="8638069" cy="2862322"/>
-          </a:xfrm>
-          <a:prstGeom prst="rect">
-            <a:avLst/>
-          </a:prstGeom>
-          <a:noFill/>
-        </p:spPr>
-        <p:txBody>
-          <a:bodyPr wrap="square">
-            <a:spAutoFit/>
+        </p:nvSpPr>
+        <p:spPr/>
+        <p:txBody>
+          <a:bodyPr>
+            <a:normAutofit fontScale="92500"/>
           </a:bodyPr>
           <a:lstStyle/>
           <a:p>
-            <a:r>
-              <a:rPr lang="es-MX" b="1" dirty="0"/>
-              <a:t>Qué hace el Quicksort:</a:t>
-            </a:r>
-          </a:p>
-          <a:p>
-            <a:pPr>
-              <a:buFont typeface="+mj-lt"/>
-              <a:buAutoNum type="arabicPeriod"/>
+            <a:pPr marL="0" indent="0" algn="just">
+              <a:buNone/>
             </a:pPr>
             <a:r>
-              <a:rPr lang="es-MX" b="1" dirty="0"/>
-              <a:t>Selecciona un pivote:</a:t>
-            </a:r>
-            <a:endParaRPr lang="es-MX" dirty="0"/>
-          </a:p>
-          <a:p>
-            <a:pPr marL="742950" lvl="1" indent="-285750">
-              <a:buFont typeface="+mj-lt"/>
-              <a:buAutoNum type="arabicPeriod"/>
-            </a:pPr>
-            <a:r>
               <a:rPr lang="es-MX" dirty="0"/>
-              <a:t>Puede ser el primer, último o un elemento aleatorio del arreglo.</a:t>
-            </a:r>
-          </a:p>
-          <a:p>
-            <a:pPr>
-              <a:buFont typeface="+mj-lt"/>
-              <a:buAutoNum type="arabicPeriod"/>
-            </a:pPr>
-            <a:r>
-              <a:rPr lang="es-MX" b="1" dirty="0"/>
-              <a:t>Divide el arreglo en dos partes:</a:t>
-            </a:r>
-            <a:endParaRPr lang="es-MX" dirty="0"/>
-          </a:p>
-          <a:p>
-            <a:pPr marL="742950" lvl="1" indent="-285750">
-              <a:buFont typeface="+mj-lt"/>
-              <a:buAutoNum type="arabicPeriod"/>
-            </a:pPr>
+              <a:t>A través del desarrollo de los métodos de ordenamiento Burbuja, </a:t>
+            </a:r>
+            <a:r>
+              <a:rPr lang="es-MX" dirty="0" err="1"/>
+              <a:t>QuickSort</a:t>
+            </a:r>
             <a:r>
               <a:rPr lang="es-MX" dirty="0"/>
-              <a:t>Elementos </a:t>
-            </a:r>
-            <a:r>
-              <a:rPr lang="es-MX" b="1" dirty="0"/>
-              <a:t>menores que el pivote</a:t>
+              <a:t>, </a:t>
+            </a:r>
+            <a:r>
+              <a:rPr lang="es-MX" dirty="0" err="1"/>
+              <a:t>ShellSort</a:t>
             </a:r>
             <a:r>
               <a:rPr lang="es-MX" dirty="0"/>
-              <a:t> a la izquierda.</a:t>
-            </a:r>
-          </a:p>
-          <a:p>
-            <a:pPr marL="742950" lvl="1" indent="-285750">
-              <a:buFont typeface="+mj-lt"/>
-              <a:buAutoNum type="arabicPeriod"/>
-            </a:pPr>
+              <a:t> y </a:t>
+            </a:r>
+            <a:r>
+              <a:rPr lang="es-MX" dirty="0" err="1"/>
+              <a:t>RadixSort</a:t>
+            </a:r>
             <a:r>
               <a:rPr lang="es-MX" dirty="0"/>
-              <a:t>Elementos </a:t>
-            </a:r>
-            <a:r>
-              <a:rPr lang="es-MX" b="1" dirty="0"/>
-              <a:t>mayores que el pivote</a:t>
-            </a:r>
-            <a:r>
+              <a:t>, se logró reforzar el conocimiento sobre diferentes estrategias para organizar datos de manera eficiente. La práctica permitió observar las ventajas y limitaciones de cada algoritmo, así como su comportamiento en distintos escenarios.</a:t>
+            </a:r>
+            <a:br>
               <a:rPr lang="es-MX" dirty="0"/>
-              <a:t> a la derecha.</a:t>
-            </a:r>
-          </a:p>
-          <a:p>
-            <a:pPr>
-              <a:buFont typeface="+mj-lt"/>
-              <a:buAutoNum type="arabicPeriod"/>
-            </a:pPr>
-            <a:r>
-              <a:rPr lang="es-MX" b="1" dirty="0"/>
-              <a:t>Aplica Quicksort recursivamente</a:t>
-            </a:r>
+            </a:br>
             <a:r>
               <a:rPr lang="es-MX" dirty="0"/>
-              <a:t> a cada </a:t>
-            </a:r>
-            <a:r>
-              <a:rPr lang="es-MX" dirty="0" err="1"/>
-              <a:t>subarreglo</a:t>
-            </a:r>
-            <a:r>
-              <a:rPr lang="es-MX" dirty="0"/>
-              <a:t> (izquierda y derecha).</a:t>
-            </a:r>
-          </a:p>
-          <a:p>
-            <a:pPr marL="742950" lvl="1" indent="-285750">
-              <a:buFont typeface="+mj-lt"/>
-              <a:buAutoNum type="arabicPeriod"/>
-            </a:pPr>
-            <a:r>
-              <a:rPr lang="es-MX" dirty="0"/>
-              <a:t>Esto se hace hasta que cada </a:t>
-            </a:r>
-            <a:r>
-              <a:rPr lang="es-MX" dirty="0" err="1"/>
-              <a:t>subarreglo</a:t>
-            </a:r>
-            <a:r>
-              <a:rPr lang="es-MX" dirty="0"/>
-              <a:t> tenga solo un elemento o esté vacío.</a:t>
-            </a:r>
-          </a:p>
-          <a:p>
-            <a:pPr>
-              <a:buFont typeface="+mj-lt"/>
-              <a:buAutoNum type="arabicPeriod"/>
-            </a:pPr>
-            <a:r>
-              <a:rPr lang="es-MX" b="1" dirty="0"/>
-              <a:t>Al final</a:t>
-            </a:r>
-            <a:r>
-              <a:rPr lang="es-MX" dirty="0"/>
-              <a:t>, todos los elementos quedan </a:t>
-            </a:r>
-            <a:r>
-              <a:rPr lang="es-MX" b="1" dirty="0"/>
-              <a:t>ordenados alrededor de los pivotes sucesivos</a:t>
-            </a:r>
-            <a:r>
-              <a:rPr lang="es-MX" dirty="0"/>
-              <a:t>, formando el arreglo ordenado completo.</a:t>
+              <a:t>La integración de estos métodos en una aplicación con interfaz gráfica facilitó la visualización de los resultados y mejoró la comprensión del proceso de ordenamiento. En conjunto, estos ejercicios contribuyen a una mejor base en el estudio de estructuras de datos y algoritmos, habilidades esenciales en el desarrollo de software.</a:t>
             </a:r>
           </a:p>
         </p:txBody>
@@ -9002,7 +8200,7 @@
     </p:spTree>
     <p:extLst>
       <p:ext uri="{BB962C8B-B14F-4D97-AF65-F5344CB8AC3E}">
-        <p14:creationId xmlns:p14="http://schemas.microsoft.com/office/powerpoint/2010/main" val="1864176380"/>
+        <p14:creationId xmlns:p14="http://schemas.microsoft.com/office/powerpoint/2010/main" val="3768475896"/>
       </p:ext>
     </p:extLst>
   </p:cSld>
@@ -9034,7 +8232,7 @@
           <p:cNvPr id="2" name="Título 1">
             <a:extLst>
               <a:ext uri="{FF2B5EF4-FFF2-40B4-BE49-F238E27FC236}">
-                <a16:creationId xmlns:a16="http://schemas.microsoft.com/office/drawing/2014/main" id="{72E935FD-0A21-3DD2-5E23-4BFB55049AE5}"/>
+                <a16:creationId xmlns:a16="http://schemas.microsoft.com/office/drawing/2014/main" id="{1F94C1CE-2108-2B77-1AD7-860D2B245286}"/>
               </a:ext>
             </a:extLst>
           </p:cNvPr>
@@ -9052,654 +8250,64 @@
           <a:p>
             <a:r>
               <a:rPr lang="es-MX" dirty="0"/>
-              <a:t>METODO DE ORDENAMIENTO: </a:t>
+              <a:t>Anexo Link de los ejercicios solicitados en </a:t>
             </a:r>
             <a:r>
               <a:rPr lang="es-MX" dirty="0" err="1"/>
-              <a:t>quicksort</a:t>
-            </a:r>
-            <a:endParaRPr lang="es-MX" dirty="0"/>
-          </a:p>
-        </p:txBody>
-      </p:sp>
-      <p:pic>
-        <p:nvPicPr>
-          <p:cNvPr id="5" name="Marcador de contenido 4">
+              <a:t>intelji</a:t>
+            </a:r>
+            <a:r>
+              <a:rPr lang="es-MX" dirty="0"/>
+              <a:t> y enviados en GitHub:</a:t>
+            </a:r>
+          </a:p>
+        </p:txBody>
+      </p:sp>
+      <p:sp>
+        <p:nvSpPr>
+          <p:cNvPr id="3" name="Marcador de contenido 2">
             <a:extLst>
               <a:ext uri="{FF2B5EF4-FFF2-40B4-BE49-F238E27FC236}">
-                <a16:creationId xmlns:a16="http://schemas.microsoft.com/office/drawing/2014/main" id="{C0035197-792A-DCE5-E755-18B721DBFE96}"/>
+                <a16:creationId xmlns:a16="http://schemas.microsoft.com/office/drawing/2014/main" id="{4170214D-2143-4A6B-6023-C4413BDB40F3}"/>
               </a:ext>
             </a:extLst>
           </p:cNvPr>
-          <p:cNvPicPr>
-            <a:picLocks noGrp="1" noChangeAspect="1"/>
-          </p:cNvPicPr>
+          <p:cNvSpPr>
+            <a:spLocks noGrp="1"/>
+          </p:cNvSpPr>
           <p:nvPr>
             <p:ph idx="1"/>
           </p:nvPr>
-        </p:nvPicPr>
-        <p:blipFill>
-          <a:blip r:embed="rId2"/>
-          <a:stretch>
-            <a:fillRect/>
-          </a:stretch>
-        </p:blipFill>
-        <p:spPr>
-          <a:xfrm>
-            <a:off x="6961818" y="1794312"/>
-            <a:ext cx="4989730" cy="3558524"/>
-          </a:xfrm>
-        </p:spPr>
-      </p:pic>
-      <p:pic>
-        <p:nvPicPr>
-          <p:cNvPr id="7" name="Imagen 6">
-            <a:extLst>
-              <a:ext uri="{FF2B5EF4-FFF2-40B4-BE49-F238E27FC236}">
-                <a16:creationId xmlns:a16="http://schemas.microsoft.com/office/drawing/2014/main" id="{5836BB6A-E5E7-246D-83AC-96933D73377B}"/>
-              </a:ext>
-            </a:extLst>
-          </p:cNvPr>
-          <p:cNvPicPr>
-            <a:picLocks noChangeAspect="1"/>
-          </p:cNvPicPr>
-          <p:nvPr/>
-        </p:nvPicPr>
-        <p:blipFill>
-          <a:blip r:embed="rId3"/>
-          <a:stretch>
-            <a:fillRect/>
-          </a:stretch>
-        </p:blipFill>
-        <p:spPr>
-          <a:xfrm>
-            <a:off x="390418" y="1794312"/>
-            <a:ext cx="6445763" cy="2211654"/>
-          </a:xfrm>
-          <a:prstGeom prst="rect">
-            <a:avLst/>
-          </a:prstGeom>
-        </p:spPr>
-      </p:pic>
+        </p:nvSpPr>
+        <p:spPr>
+          <a:xfrm>
+            <a:off x="838200" y="2214694"/>
+            <a:ext cx="10515600" cy="948397"/>
+          </a:xfrm>
+        </p:spPr>
+        <p:txBody>
+          <a:bodyPr/>
+          <a:lstStyle/>
+          <a:p>
+            <a:pPr marL="0" indent="0">
+              <a:buNone/>
+            </a:pPr>
+            <a:endParaRPr lang="es-MX" dirty="0">
+              <a:hlinkClick r:id="rId2">
+                <a:extLst>
+                  <a:ext uri="{A12FA001-AC4F-418D-AE19-62706E023703}">
+                    <ahyp:hlinkClr xmlns:ahyp="http://schemas.microsoft.com/office/drawing/2018/hyperlinkcolor" val="tx"/>
+                  </a:ext>
+                </a:extLst>
+              </a:hlinkClick>
+            </a:endParaRPr>
+          </a:p>
+        </p:txBody>
+      </p:sp>
     </p:spTree>
     <p:extLst>
       <p:ext uri="{BB962C8B-B14F-4D97-AF65-F5344CB8AC3E}">
-        <p14:creationId xmlns:p14="http://schemas.microsoft.com/office/powerpoint/2010/main" val="9902128"/>
-      </p:ext>
-    </p:extLst>
-  </p:cSld>
-  <p:clrMapOvr>
-    <a:masterClrMapping/>
-  </p:clrMapOvr>
-</p:sld>
-</file>
-
-<file path=ppt/slides/slide8.xml><?xml version="1.0" encoding="utf-8"?>
-<p:sld xmlns:a="http://schemas.openxmlformats.org/drawingml/2006/main" xmlns:r="http://schemas.openxmlformats.org/officeDocument/2006/relationships" xmlns:p="http://schemas.openxmlformats.org/presentationml/2006/main">
-  <p:cSld>
-    <p:spTree>
-      <p:nvGrpSpPr>
-        <p:cNvPr id="1" name=""/>
-        <p:cNvGrpSpPr/>
-        <p:nvPr/>
-      </p:nvGrpSpPr>
-      <p:grpSpPr>
-        <a:xfrm>
-          <a:off x="0" y="0"/>
-          <a:ext cx="0" cy="0"/>
-          <a:chOff x="0" y="0"/>
-          <a:chExt cx="0" cy="0"/>
-        </a:xfrm>
-      </p:grpSpPr>
-      <p:sp>
-        <p:nvSpPr>
-          <p:cNvPr id="2" name="Título 1">
-            <a:extLst>
-              <a:ext uri="{FF2B5EF4-FFF2-40B4-BE49-F238E27FC236}">
-                <a16:creationId xmlns:a16="http://schemas.microsoft.com/office/drawing/2014/main" id="{C52FBB50-034D-129D-09F7-409E6BCD21E0}"/>
-              </a:ext>
-            </a:extLst>
-          </p:cNvPr>
-          <p:cNvSpPr>
-            <a:spLocks noGrp="1"/>
-          </p:cNvSpPr>
-          <p:nvPr>
-            <p:ph type="title"/>
-          </p:nvPr>
-        </p:nvSpPr>
-        <p:spPr>
-          <a:xfrm>
-            <a:off x="913774" y="42216"/>
-            <a:ext cx="10364451" cy="950973"/>
-          </a:xfrm>
-        </p:spPr>
-        <p:txBody>
-          <a:bodyPr/>
-          <a:lstStyle/>
-          <a:p>
-            <a:r>
-              <a:rPr lang="es-MX" dirty="0"/>
-              <a:t>METODO DE ORDENAMIENTO: SHELLSORT</a:t>
-            </a:r>
-          </a:p>
-        </p:txBody>
-      </p:sp>
-      <p:pic>
-        <p:nvPicPr>
-          <p:cNvPr id="5" name="Marcador de contenido 4">
-            <a:extLst>
-              <a:ext uri="{FF2B5EF4-FFF2-40B4-BE49-F238E27FC236}">
-                <a16:creationId xmlns:a16="http://schemas.microsoft.com/office/drawing/2014/main" id="{C4DAA56E-AA96-C66D-F1AA-E093BBE7555F}"/>
-              </a:ext>
-            </a:extLst>
-          </p:cNvPr>
-          <p:cNvPicPr>
-            <a:picLocks noGrp="1" noChangeAspect="1"/>
-          </p:cNvPicPr>
-          <p:nvPr>
-            <p:ph idx="1"/>
-          </p:nvPr>
-        </p:nvPicPr>
-        <p:blipFill>
-          <a:blip r:embed="rId2"/>
-          <a:stretch>
-            <a:fillRect/>
-          </a:stretch>
-        </p:blipFill>
-        <p:spPr>
-          <a:xfrm>
-            <a:off x="446303" y="993189"/>
-            <a:ext cx="3799258" cy="4351338"/>
-          </a:xfrm>
-        </p:spPr>
-      </p:pic>
-      <p:pic>
-        <p:nvPicPr>
-          <p:cNvPr id="7" name="Imagen 6">
-            <a:extLst>
-              <a:ext uri="{FF2B5EF4-FFF2-40B4-BE49-F238E27FC236}">
-                <a16:creationId xmlns:a16="http://schemas.microsoft.com/office/drawing/2014/main" id="{36D9E0B2-DBC9-098A-78D2-813F008EDAB4}"/>
-              </a:ext>
-            </a:extLst>
-          </p:cNvPr>
-          <p:cNvPicPr>
-            <a:picLocks noChangeAspect="1"/>
-          </p:cNvPicPr>
-          <p:nvPr/>
-        </p:nvPicPr>
-        <p:blipFill>
-          <a:blip r:embed="rId3"/>
-          <a:stretch>
-            <a:fillRect/>
-          </a:stretch>
-        </p:blipFill>
-        <p:spPr>
-          <a:xfrm>
-            <a:off x="4503320" y="993189"/>
-            <a:ext cx="3524165" cy="1695752"/>
-          </a:xfrm>
-          <a:prstGeom prst="rect">
-            <a:avLst/>
-          </a:prstGeom>
-        </p:spPr>
-      </p:pic>
-      <p:sp>
-        <p:nvSpPr>
-          <p:cNvPr id="8" name="Rectangle 1">
-            <a:extLst>
-              <a:ext uri="{FF2B5EF4-FFF2-40B4-BE49-F238E27FC236}">
-                <a16:creationId xmlns:a16="http://schemas.microsoft.com/office/drawing/2014/main" id="{1ECAE987-D7A9-EC72-3793-F776891367D3}"/>
-              </a:ext>
-            </a:extLst>
-          </p:cNvPr>
-          <p:cNvSpPr>
-            <a:spLocks noChangeArrowheads="1"/>
-          </p:cNvSpPr>
-          <p:nvPr/>
-        </p:nvSpPr>
-        <p:spPr bwMode="auto">
-          <a:xfrm>
-            <a:off x="4636884" y="2688941"/>
-            <a:ext cx="7555116" cy="4351337"/>
-          </a:xfrm>
-          <a:prstGeom prst="rect">
-            <a:avLst/>
-          </a:prstGeom>
-          <a:noFill/>
-          <a:ln>
-            <a:noFill/>
-          </a:ln>
-          <a:effectLst/>
-          <a:extLst>
-            <a:ext uri="{909E8E84-426E-40DD-AFC4-6F175D3DCCD1}">
-              <a14:hiddenFill xmlns:a14="http://schemas.microsoft.com/office/drawing/2010/main">
-                <a:solidFill>
-                  <a:schemeClr val="accent1"/>
-                </a:solidFill>
-              </a14:hiddenFill>
-            </a:ext>
-            <a:ext uri="{91240B29-F687-4F45-9708-019B960494DF}">
-              <a14:hiddenLine xmlns:a14="http://schemas.microsoft.com/office/drawing/2010/main" w="9525">
-                <a:solidFill>
-                  <a:schemeClr val="tx1"/>
-                </a:solidFill>
-                <a:miter lim="800000"/>
-                <a:headEnd/>
-                <a:tailEnd/>
-              </a14:hiddenLine>
-            </a:ext>
-            <a:ext uri="{AF507438-7753-43E0-B8FC-AC1667EBCBE1}">
-              <a14:hiddenEffects xmlns:a14="http://schemas.microsoft.com/office/drawing/2010/main">
-                <a:effectLst>
-                  <a:outerShdw dist="35921" dir="2700000" algn="ctr" rotWithShape="0">
-                    <a:schemeClr val="bg2"/>
-                  </a:outerShdw>
-                </a:effectLst>
-              </a14:hiddenEffects>
-            </a:ext>
-          </a:extLst>
-        </p:spPr>
-        <p:txBody>
-          <a:bodyPr vert="horz" wrap="square" lIns="91440" tIns="45720" rIns="91440" bIns="45720" numCol="1" anchor="ctr" anchorCtr="0" compatLnSpc="1">
-            <a:prstTxWarp prst="textNoShape">
-              <a:avLst/>
-            </a:prstTxWarp>
-            <a:spAutoFit/>
-          </a:bodyPr>
-          <a:lstStyle/>
-          <a:p>
-            <a:pPr marL="0" marR="0" lvl="0" indent="0" algn="l" defTabSz="914400" rtl="0" eaLnBrk="0" fontAlgn="base" latinLnBrk="0" hangingPunct="0">
-              <a:lnSpc>
-                <a:spcPct val="100000"/>
-              </a:lnSpc>
-              <a:spcBef>
-                <a:spcPct val="0"/>
-              </a:spcBef>
-              <a:spcAft>
-                <a:spcPct val="0"/>
-              </a:spcAft>
-              <a:buClrTx/>
-              <a:buSzTx/>
-              <a:buFontTx/>
-              <a:buNone/>
-              <a:tabLst/>
-            </a:pPr>
-            <a:r>
-              <a:rPr lang="es-MX" altLang="es-MX" dirty="0"/>
-              <a:t>Qué hace </a:t>
-            </a:r>
-            <a:r>
-              <a:rPr lang="es-MX" altLang="es-MX" dirty="0" err="1"/>
-              <a:t>Shellsort</a:t>
-            </a:r>
-            <a:r>
-              <a:rPr lang="es-MX" altLang="es-MX" dirty="0"/>
-              <a:t>:</a:t>
-            </a:r>
-          </a:p>
-          <a:p>
-            <a:pPr marL="0" marR="0" lvl="0" indent="0" algn="l" defTabSz="914400" rtl="0" eaLnBrk="0" fontAlgn="base" latinLnBrk="0" hangingPunct="0">
-              <a:lnSpc>
-                <a:spcPct val="100000"/>
-              </a:lnSpc>
-              <a:spcBef>
-                <a:spcPct val="0"/>
-              </a:spcBef>
-              <a:spcAft>
-                <a:spcPct val="0"/>
-              </a:spcAft>
-              <a:buClrTx/>
-              <a:buSzTx/>
-              <a:buFontTx/>
-              <a:buAutoNum type="arabicPeriod"/>
-              <a:tabLst/>
-            </a:pPr>
-            <a:r>
-              <a:rPr lang="es-MX" altLang="es-MX" dirty="0"/>
-              <a:t>Divide el arreglo en </a:t>
-            </a:r>
-            <a:r>
-              <a:rPr lang="es-MX" altLang="es-MX" dirty="0" err="1"/>
-              <a:t>subarreglos</a:t>
-            </a:r>
-            <a:r>
-              <a:rPr lang="es-MX" altLang="es-MX" dirty="0"/>
-              <a:t> usando un “gap” (brecha):</a:t>
-            </a:r>
-          </a:p>
-          <a:p>
-            <a:pPr marL="457200" marR="0" lvl="1" indent="0" algn="l" defTabSz="914400" rtl="0" eaLnBrk="0" fontAlgn="base" latinLnBrk="0" hangingPunct="0">
-              <a:lnSpc>
-                <a:spcPct val="100000"/>
-              </a:lnSpc>
-              <a:spcBef>
-                <a:spcPct val="0"/>
-              </a:spcBef>
-              <a:spcAft>
-                <a:spcPct val="0"/>
-              </a:spcAft>
-              <a:buClrTx/>
-              <a:buSzTx/>
-              <a:buFontTx/>
-              <a:buChar char="•"/>
-              <a:tabLst/>
-            </a:pPr>
-            <a:r>
-              <a:rPr lang="es-MX" altLang="es-MX" dirty="0"/>
-              <a:t>Se elige un valor gap mayor que 1 al inicio (por ejemplo, la mitad del tamaño del arreglo).</a:t>
-            </a:r>
-          </a:p>
-          <a:p>
-            <a:pPr marL="457200" marR="0" lvl="1" indent="0" algn="l" defTabSz="914400" rtl="0" eaLnBrk="0" fontAlgn="base" latinLnBrk="0" hangingPunct="0">
-              <a:lnSpc>
-                <a:spcPct val="100000"/>
-              </a:lnSpc>
-              <a:spcBef>
-                <a:spcPct val="0"/>
-              </a:spcBef>
-              <a:spcAft>
-                <a:spcPct val="0"/>
-              </a:spcAft>
-              <a:buClrTx/>
-              <a:buSzTx/>
-              <a:buFontTx/>
-              <a:buChar char="•"/>
-              <a:tabLst/>
-            </a:pPr>
-            <a:r>
-              <a:rPr lang="es-MX" altLang="es-MX" dirty="0"/>
-              <a:t>Se comparan y ordenan los elementos que están a gap posiciones de distancia.</a:t>
-            </a:r>
-          </a:p>
-          <a:p>
-            <a:pPr marL="0" marR="0" lvl="0" indent="0" algn="l" defTabSz="914400" rtl="0" eaLnBrk="0" fontAlgn="base" latinLnBrk="0" hangingPunct="0">
-              <a:lnSpc>
-                <a:spcPct val="100000"/>
-              </a:lnSpc>
-              <a:spcBef>
-                <a:spcPct val="0"/>
-              </a:spcBef>
-              <a:spcAft>
-                <a:spcPct val="0"/>
-              </a:spcAft>
-              <a:buClrTx/>
-              <a:buSzTx/>
-              <a:buFontTx/>
-              <a:buAutoNum type="arabicPeriod" startAt="2"/>
-              <a:tabLst/>
-            </a:pPr>
-            <a:r>
-              <a:rPr lang="es-MX" altLang="es-MX" dirty="0"/>
-              <a:t>Reduce progresivamente el gap:</a:t>
-            </a:r>
-          </a:p>
-          <a:p>
-            <a:pPr marL="457200" marR="0" lvl="1" indent="0" algn="l" defTabSz="914400" rtl="0" eaLnBrk="0" fontAlgn="base" latinLnBrk="0" hangingPunct="0">
-              <a:lnSpc>
-                <a:spcPct val="100000"/>
-              </a:lnSpc>
-              <a:spcBef>
-                <a:spcPct val="0"/>
-              </a:spcBef>
-              <a:spcAft>
-                <a:spcPct val="0"/>
-              </a:spcAft>
-              <a:buClrTx/>
-              <a:buSzTx/>
-              <a:buFontTx/>
-              <a:buChar char="•"/>
-              <a:tabLst/>
-            </a:pPr>
-            <a:r>
-              <a:rPr lang="es-MX" altLang="es-MX" dirty="0"/>
-              <a:t>Después de ordenar con un gap grande, se reduce (por ejemplo, a la mitad) y se vuelve a ordenar.</a:t>
-            </a:r>
-          </a:p>
-          <a:p>
-            <a:pPr marL="457200" marR="0" lvl="1" indent="0" algn="l" defTabSz="914400" rtl="0" eaLnBrk="0" fontAlgn="base" latinLnBrk="0" hangingPunct="0">
-              <a:lnSpc>
-                <a:spcPct val="100000"/>
-              </a:lnSpc>
-              <a:spcBef>
-                <a:spcPct val="0"/>
-              </a:spcBef>
-              <a:spcAft>
-                <a:spcPct val="0"/>
-              </a:spcAft>
-              <a:buClrTx/>
-              <a:buSzTx/>
-              <a:buFontTx/>
-              <a:buChar char="•"/>
-              <a:tabLst/>
-            </a:pPr>
-            <a:r>
-              <a:rPr lang="es-MX" altLang="es-MX" dirty="0"/>
-              <a:t>Esto permite mover los elementos más rápidamente hacia su posición correcta.</a:t>
-            </a:r>
-          </a:p>
-          <a:p>
-            <a:pPr marL="0" marR="0" lvl="0" indent="0" algn="l" defTabSz="914400" rtl="0" eaLnBrk="0" fontAlgn="base" latinLnBrk="0" hangingPunct="0">
-              <a:lnSpc>
-                <a:spcPct val="100000"/>
-              </a:lnSpc>
-              <a:spcBef>
-                <a:spcPct val="0"/>
-              </a:spcBef>
-              <a:spcAft>
-                <a:spcPct val="0"/>
-              </a:spcAft>
-              <a:buClrTx/>
-              <a:buSzTx/>
-              <a:buFontTx/>
-              <a:buAutoNum type="arabicPeriod" startAt="3"/>
-              <a:tabLst/>
-            </a:pPr>
-            <a:r>
-              <a:rPr lang="es-MX" altLang="es-MX" dirty="0"/>
-              <a:t>Finalmente, gap = 1:</a:t>
-            </a:r>
-          </a:p>
-          <a:p>
-            <a:pPr marL="457200" marR="0" lvl="1" indent="0" algn="l" defTabSz="914400" rtl="0" eaLnBrk="0" fontAlgn="base" latinLnBrk="0" hangingPunct="0">
-              <a:lnSpc>
-                <a:spcPct val="100000"/>
-              </a:lnSpc>
-              <a:spcBef>
-                <a:spcPct val="0"/>
-              </a:spcBef>
-              <a:spcAft>
-                <a:spcPct val="0"/>
-              </a:spcAft>
-              <a:buClrTx/>
-              <a:buSzTx/>
-              <a:buFontTx/>
-              <a:buChar char="•"/>
-              <a:tabLst/>
-            </a:pPr>
-            <a:r>
-              <a:rPr lang="es-MX" altLang="es-MX" dirty="0"/>
-              <a:t>Esto equivale a un </a:t>
-            </a:r>
-            <a:r>
-              <a:rPr lang="es-MX" altLang="es-MX" dirty="0" err="1"/>
-              <a:t>insertion</a:t>
-            </a:r>
-            <a:r>
-              <a:rPr lang="es-MX" altLang="es-MX" dirty="0"/>
-              <a:t> </a:t>
-            </a:r>
-            <a:r>
-              <a:rPr lang="es-MX" altLang="es-MX" dirty="0" err="1"/>
-              <a:t>sort</a:t>
-            </a:r>
-            <a:r>
-              <a:rPr lang="es-MX" altLang="es-MX" dirty="0"/>
-              <a:t>, pero al estar casi ordenado, es mucho más rápido que aplicar </a:t>
-            </a:r>
-            <a:r>
-              <a:rPr lang="es-MX" altLang="es-MX" dirty="0" err="1"/>
-              <a:t>insertion</a:t>
-            </a:r>
-            <a:r>
-              <a:rPr lang="es-MX" altLang="es-MX" dirty="0"/>
-              <a:t> </a:t>
-            </a:r>
-            <a:r>
-              <a:rPr lang="es-MX" altLang="es-MX" dirty="0" err="1"/>
-              <a:t>sort</a:t>
-            </a:r>
-            <a:r>
-              <a:rPr lang="es-MX" altLang="es-MX" dirty="0"/>
-              <a:t> desde cero.</a:t>
-            </a:r>
-          </a:p>
-          <a:p>
-            <a:pPr marL="0" marR="0" lvl="0" indent="0" algn="l" defTabSz="914400" rtl="0" eaLnBrk="0" fontAlgn="base" latinLnBrk="0" hangingPunct="0">
-              <a:lnSpc>
-                <a:spcPct val="100000"/>
-              </a:lnSpc>
-              <a:spcBef>
-                <a:spcPct val="0"/>
-              </a:spcBef>
-              <a:spcAft>
-                <a:spcPct val="0"/>
-              </a:spcAft>
-              <a:buClrTx/>
-              <a:buSzTx/>
-              <a:buFontTx/>
-              <a:buNone/>
-              <a:tabLst/>
-            </a:pPr>
-            <a:endParaRPr lang="es-MX" altLang="es-MX" dirty="0"/>
-          </a:p>
-        </p:txBody>
-      </p:sp>
-    </p:spTree>
-    <p:extLst>
-      <p:ext uri="{BB962C8B-B14F-4D97-AF65-F5344CB8AC3E}">
-        <p14:creationId xmlns:p14="http://schemas.microsoft.com/office/powerpoint/2010/main" val="2914915800"/>
-      </p:ext>
-    </p:extLst>
-  </p:cSld>
-  <p:clrMapOvr>
-    <a:masterClrMapping/>
-  </p:clrMapOvr>
-</p:sld>
-</file>
-
-<file path=ppt/slides/slide9.xml><?xml version="1.0" encoding="utf-8"?>
-<p:sld xmlns:a="http://schemas.openxmlformats.org/drawingml/2006/main" xmlns:r="http://schemas.openxmlformats.org/officeDocument/2006/relationships" xmlns:p="http://schemas.openxmlformats.org/presentationml/2006/main">
-  <p:cSld>
-    <p:spTree>
-      <p:nvGrpSpPr>
-        <p:cNvPr id="1" name=""/>
-        <p:cNvGrpSpPr/>
-        <p:nvPr/>
-      </p:nvGrpSpPr>
-      <p:grpSpPr>
-        <a:xfrm>
-          <a:off x="0" y="0"/>
-          <a:ext cx="0" cy="0"/>
-          <a:chOff x="0" y="0"/>
-          <a:chExt cx="0" cy="0"/>
-        </a:xfrm>
-      </p:grpSpPr>
-      <p:sp>
-        <p:nvSpPr>
-          <p:cNvPr id="2" name="Título 1">
-            <a:extLst>
-              <a:ext uri="{FF2B5EF4-FFF2-40B4-BE49-F238E27FC236}">
-                <a16:creationId xmlns:a16="http://schemas.microsoft.com/office/drawing/2014/main" id="{166550D2-B02B-E9BC-207D-60C059ECA410}"/>
-              </a:ext>
-            </a:extLst>
-          </p:cNvPr>
-          <p:cNvSpPr>
-            <a:spLocks noGrp="1"/>
-          </p:cNvSpPr>
-          <p:nvPr>
-            <p:ph type="title"/>
-          </p:nvPr>
-        </p:nvSpPr>
-        <p:spPr>
-          <a:xfrm>
-            <a:off x="1037065" y="390417"/>
-            <a:ext cx="10364451" cy="704393"/>
-          </a:xfrm>
-        </p:spPr>
-        <p:txBody>
-          <a:bodyPr/>
-          <a:lstStyle/>
-          <a:p>
-            <a:r>
-              <a:rPr lang="es-MX" dirty="0"/>
-              <a:t>RESULTADO</a:t>
-            </a:r>
-          </a:p>
-        </p:txBody>
-      </p:sp>
-      <p:pic>
-        <p:nvPicPr>
-          <p:cNvPr id="5" name="Marcador de contenido 4">
-            <a:extLst>
-              <a:ext uri="{FF2B5EF4-FFF2-40B4-BE49-F238E27FC236}">
-                <a16:creationId xmlns:a16="http://schemas.microsoft.com/office/drawing/2014/main" id="{44BD0278-1B3D-FA51-1075-2489FC7B5F0B}"/>
-              </a:ext>
-            </a:extLst>
-          </p:cNvPr>
-          <p:cNvPicPr>
-            <a:picLocks noGrp="1" noChangeAspect="1"/>
-          </p:cNvPicPr>
-          <p:nvPr>
-            <p:ph idx="1"/>
-          </p:nvPr>
-        </p:nvPicPr>
-        <p:blipFill>
-          <a:blip r:embed="rId2"/>
-          <a:stretch>
-            <a:fillRect/>
-          </a:stretch>
-        </p:blipFill>
-        <p:spPr>
-          <a:xfrm>
-            <a:off x="7288051" y="1376737"/>
-            <a:ext cx="4580708" cy="3503487"/>
-          </a:xfrm>
-        </p:spPr>
-      </p:pic>
-      <p:pic>
-        <p:nvPicPr>
-          <p:cNvPr id="7" name="Imagen 6">
-            <a:extLst>
-              <a:ext uri="{FF2B5EF4-FFF2-40B4-BE49-F238E27FC236}">
-                <a16:creationId xmlns:a16="http://schemas.microsoft.com/office/drawing/2014/main" id="{6C3723DB-959F-8432-8722-38834D2DFF41}"/>
-              </a:ext>
-            </a:extLst>
-          </p:cNvPr>
-          <p:cNvPicPr>
-            <a:picLocks noChangeAspect="1"/>
-          </p:cNvPicPr>
-          <p:nvPr/>
-        </p:nvPicPr>
-        <p:blipFill>
-          <a:blip r:embed="rId3"/>
-          <a:stretch>
-            <a:fillRect/>
-          </a:stretch>
-        </p:blipFill>
-        <p:spPr>
-          <a:xfrm>
-            <a:off x="323241" y="1376738"/>
-            <a:ext cx="6781910" cy="3503487"/>
-          </a:xfrm>
-          <a:prstGeom prst="rect">
-            <a:avLst/>
-          </a:prstGeom>
-        </p:spPr>
-      </p:pic>
-    </p:spTree>
-    <p:extLst>
-      <p:ext uri="{BB962C8B-B14F-4D97-AF65-F5344CB8AC3E}">
-        <p14:creationId xmlns:p14="http://schemas.microsoft.com/office/powerpoint/2010/main" val="3466773787"/>
+        <p14:creationId xmlns:p14="http://schemas.microsoft.com/office/powerpoint/2010/main" val="4086972544"/>
       </p:ext>
     </p:extLst>
   </p:cSld>

--- a/ED-Tema-5/5.3 EJERCICIOS_CYNTHIA JASMINE MORALES TORRES.pptx
+++ b/ED-Tema-5/5.3 EJERCICIOS_CYNTHIA JASMINE MORALES TORRES.pptx
@@ -7038,7 +7038,7 @@
                 <a:cs typeface="Glacial Indifference"/>
                 <a:sym typeface="Glacial Indifference"/>
               </a:rPr>
-              <a:t>burbujas</a:t>
+              <a:t>metodos</a:t>
             </a:r>
             <a:r>
               <a:rPr lang="en-US" sz="1200" b="1" dirty="0">
@@ -7050,10 +7050,10 @@
                 <a:cs typeface="Glacial Indifference"/>
                 <a:sym typeface="Glacial Indifference"/>
               </a:rPr>
-              <a:t>, quicksort, </a:t>
-            </a:r>
-            <a:r>
-              <a:rPr lang="en-US" sz="1200" b="1" dirty="0" err="1">
+              <a:t> de </a:t>
+            </a:r>
+            <a:r>
+              <a:rPr lang="en-US" sz="1200" b="1">
                 <a:solidFill>
                   <a:srgbClr val="000000"/>
                 </a:solidFill>
@@ -7062,20 +7062,17 @@
                 <a:cs typeface="Glacial Indifference"/>
                 <a:sym typeface="Glacial Indifference"/>
               </a:rPr>
-              <a:t>shellsort</a:t>
-            </a:r>
-            <a:r>
-              <a:rPr lang="en-US" sz="1200" b="1" dirty="0">
-                <a:solidFill>
-                  <a:srgbClr val="000000"/>
-                </a:solidFill>
-                <a:latin typeface="Century Gothic" panose="020B0502020202020204" pitchFamily="34" charset="0"/>
-                <a:ea typeface="Glacial Indifference"/>
-                <a:cs typeface="Glacial Indifference"/>
-                <a:sym typeface="Glacial Indifference"/>
-              </a:rPr>
-              <a:t>, radix</a:t>
-            </a:r>
+              <a:t>ordenamiento</a:t>
+            </a:r>
+            <a:endParaRPr lang="en-US" sz="1200" b="1" dirty="0">
+              <a:solidFill>
+                <a:srgbClr val="000000"/>
+              </a:solidFill>
+              <a:latin typeface="Century Gothic" panose="020B0502020202020204" pitchFamily="34" charset="0"/>
+              <a:ea typeface="Glacial Indifference"/>
+              <a:cs typeface="Glacial Indifference"/>
+              <a:sym typeface="Glacial Indifference"/>
+            </a:endParaRPr>
           </a:p>
           <a:p>
             <a:pPr algn="ctr">
@@ -7197,7 +7194,7 @@
                 <a:cs typeface="Glacial Indifference"/>
                 <a:sym typeface="Glacial Indifference"/>
               </a:rPr>
-              <a:t>, Chiapas. A 13 de </a:t>
+              <a:t>, Chiapas. A 10 de </a:t>
             </a:r>
             <a:r>
               <a:rPr lang="en-US" sz="1200" b="1" dirty="0" err="1">
@@ -8292,15 +8289,12 @@
             <a:pPr marL="0" indent="0">
               <a:buNone/>
             </a:pPr>
-            <a:endParaRPr lang="es-MX" dirty="0">
-              <a:hlinkClick r:id="rId2">
-                <a:extLst>
-                  <a:ext uri="{A12FA001-AC4F-418D-AE19-62706E023703}">
-                    <ahyp:hlinkClr xmlns:ahyp="http://schemas.microsoft.com/office/drawing/2018/hyperlinkcolor" val="tx"/>
-                  </a:ext>
-                </a:extLst>
-              </a:hlinkClick>
-            </a:endParaRPr>
+            <a:r>
+              <a:rPr lang="es-MX" dirty="0">
+                <a:hlinkClick r:id="rId2"/>
+              </a:rPr>
+              <a:t>https://github.com/Cynthia21Morales/EstructuraDeDatos_CynthiaJasmineMT/tree/main/ED-Tema-5/MetodosOrdenamiento</a:t>
+            </a:r>
           </a:p>
         </p:txBody>
       </p:sp>
